--- a/03_exposé/Results.pptx
+++ b/03_exposé/Results.pptx
@@ -352,7 +352,7 @@
             <a:fld id="{5586B75A-687E-405C-8A0B-8D00578BA2C3}" type="datetimeFigureOut">
               <a:rPr lang="en-US" dirty="0"/>
               <a:pPr/>
-              <a:t>1/13/2022</a:t>
+              <a:t>1/22/2022</a:t>
             </a:fld>
             <a:endParaRPr lang="en-US" dirty="0"/>
           </a:p>
@@ -519,7 +519,7 @@
             <a:fld id="{5586B75A-687E-405C-8A0B-8D00578BA2C3}" type="datetimeFigureOut">
               <a:rPr lang="en-US" dirty="0"/>
               <a:pPr/>
-              <a:t>1/13/2022</a:t>
+              <a:t>1/22/2022</a:t>
             </a:fld>
             <a:endParaRPr lang="en-US" dirty="0"/>
           </a:p>
@@ -696,7 +696,7 @@
             <a:fld id="{5586B75A-687E-405C-8A0B-8D00578BA2C3}" type="datetimeFigureOut">
               <a:rPr lang="en-US" dirty="0"/>
               <a:pPr/>
-              <a:t>1/13/2022</a:t>
+              <a:t>1/22/2022</a:t>
             </a:fld>
             <a:endParaRPr lang="en-US" dirty="0"/>
           </a:p>
@@ -863,7 +863,7 @@
             <a:fld id="{5586B75A-687E-405C-8A0B-8D00578BA2C3}" type="datetimeFigureOut">
               <a:rPr lang="en-US" dirty="0"/>
               <a:pPr/>
-              <a:t>1/13/2022</a:t>
+              <a:t>1/22/2022</a:t>
             </a:fld>
             <a:endParaRPr lang="en-US" dirty="0"/>
           </a:p>
@@ -1118,7 +1118,7 @@
             <a:fld id="{5586B75A-687E-405C-8A0B-8D00578BA2C3}" type="datetimeFigureOut">
               <a:rPr lang="en-US" dirty="0"/>
               <a:pPr/>
-              <a:t>1/13/2022</a:t>
+              <a:t>1/22/2022</a:t>
             </a:fld>
             <a:endParaRPr lang="en-US" dirty="0"/>
           </a:p>
@@ -1403,7 +1403,7 @@
             <a:fld id="{5586B75A-687E-405C-8A0B-8D00578BA2C3}" type="datetimeFigureOut">
               <a:rPr lang="en-US" dirty="0"/>
               <a:pPr/>
-              <a:t>1/13/2022</a:t>
+              <a:t>1/22/2022</a:t>
             </a:fld>
             <a:endParaRPr lang="en-US" dirty="0"/>
           </a:p>
@@ -1842,7 +1842,7 @@
             <a:fld id="{5586B75A-687E-405C-8A0B-8D00578BA2C3}" type="datetimeFigureOut">
               <a:rPr lang="en-US" dirty="0"/>
               <a:pPr/>
-              <a:t>1/13/2022</a:t>
+              <a:t>1/22/2022</a:t>
             </a:fld>
             <a:endParaRPr lang="en-US" dirty="0"/>
           </a:p>
@@ -1957,7 +1957,7 @@
             <a:fld id="{5586B75A-687E-405C-8A0B-8D00578BA2C3}" type="datetimeFigureOut">
               <a:rPr lang="en-US" dirty="0"/>
               <a:pPr/>
-              <a:t>1/13/2022</a:t>
+              <a:t>1/22/2022</a:t>
             </a:fld>
             <a:endParaRPr lang="en-US" dirty="0"/>
           </a:p>
@@ -2049,7 +2049,7 @@
             <a:fld id="{5586B75A-687E-405C-8A0B-8D00578BA2C3}" type="datetimeFigureOut">
               <a:rPr lang="en-US" dirty="0"/>
               <a:pPr/>
-              <a:t>1/13/2022</a:t>
+              <a:t>1/22/2022</a:t>
             </a:fld>
             <a:endParaRPr lang="en-US" dirty="0"/>
           </a:p>
@@ -2334,7 +2334,7 @@
             <a:fld id="{5586B75A-687E-405C-8A0B-8D00578BA2C3}" type="datetimeFigureOut">
               <a:rPr lang="en-US" dirty="0"/>
               <a:pPr/>
-              <a:t>1/13/2022</a:t>
+              <a:t>1/22/2022</a:t>
             </a:fld>
             <a:endParaRPr lang="en-US" dirty="0"/>
           </a:p>
@@ -2604,7 +2604,7 @@
             <a:fld id="{5586B75A-687E-405C-8A0B-8D00578BA2C3}" type="datetimeFigureOut">
               <a:rPr lang="en-US" dirty="0"/>
               <a:pPr/>
-              <a:t>1/13/2022</a:t>
+              <a:t>1/22/2022</a:t>
             </a:fld>
             <a:endParaRPr lang="en-US" dirty="0"/>
           </a:p>
@@ -2898,7 +2898,7 @@
             <a:fld id="{5586B75A-687E-405C-8A0B-8D00578BA2C3}" type="datetimeFigureOut">
               <a:rPr lang="en-US" dirty="0"/>
               <a:pPr/>
-              <a:t>1/13/2022</a:t>
+              <a:t>1/22/2022</a:t>
             </a:fld>
             <a:endParaRPr lang="en-US" dirty="0"/>
           </a:p>
@@ -4103,11 +4103,7 @@
           <a:p>
             <a:r>
               <a:rPr lang="de-DE" sz="3200" dirty="0" smtClean="0"/>
-              <a:t>Visualisierung der Distanz zum </a:t>
-            </a:r>
-            <a:r>
-              <a:rPr lang="de-DE" sz="3200" dirty="0" smtClean="0"/>
-              <a:t>Ziel</a:t>
+              <a:t>Visualisierung der Distanz zum Ziel</a:t>
             </a:r>
             <a:endParaRPr lang="de-DE" sz="3200" dirty="0"/>
           </a:p>
@@ -4205,19 +4201,7 @@
           <a:p>
             <a:r>
               <a:rPr lang="de-DE" sz="3200" dirty="0" smtClean="0"/>
-              <a:t>Zusammenhang zwischen Beta Power und Distanz zum </a:t>
-            </a:r>
-            <a:r>
-              <a:rPr lang="de-DE" sz="3200" dirty="0" smtClean="0"/>
-              <a:t>Ziel</a:t>
-            </a:r>
-            <a:r>
-              <a:rPr lang="de-DE" sz="3200" dirty="0" smtClean="0"/>
-              <a:t> </a:t>
-            </a:r>
-            <a:r>
-              <a:rPr lang="de-DE" sz="3200" dirty="0" smtClean="0"/>
-              <a:t>(Kendalls Tau)</a:t>
+              <a:t>Zusammenhang zwischen Beta Power und Distanz zum Ziel (Kendalls Tau)</a:t>
             </a:r>
             <a:endParaRPr lang="de-DE" sz="3200" dirty="0"/>
           </a:p>
@@ -4340,15 +4324,7 @@
             </a:r>
             <a:r>
               <a:rPr lang="de-DE" smtClean="0"/>
-              <a:t>zum </a:t>
-            </a:r>
-            <a:r>
-              <a:rPr lang="de-DE" smtClean="0"/>
-              <a:t>Ziel</a:t>
-            </a:r>
-            <a:r>
-              <a:rPr lang="de-DE" smtClean="0"/>
-              <a:t> </a:t>
+              <a:t>zum Ziel </a:t>
             </a:r>
             <a:r>
               <a:rPr lang="de-DE" dirty="0" smtClean="0"/>
@@ -4682,11 +4658,23 @@
             </a:pPr>
             <a:r>
               <a:rPr lang="de-DE" dirty="0" smtClean="0"/>
-              <a:t>Säubern der Daten anhand der Varianz und der </a:t>
-            </a:r>
-            <a:r>
-              <a:rPr lang="de-DE" dirty="0" err="1" smtClean="0"/>
-              <a:t>samplepoints</a:t>
+              <a:t>Bereinigung</a:t>
+            </a:r>
+            <a:r>
+              <a:rPr lang="de-DE" dirty="0" smtClean="0"/>
+              <a:t> </a:t>
+            </a:r>
+            <a:r>
+              <a:rPr lang="de-DE" dirty="0" smtClean="0"/>
+              <a:t>der Daten anhand der Varianz und der </a:t>
+            </a:r>
+            <a:r>
+              <a:rPr lang="de-DE" dirty="0" smtClean="0"/>
+              <a:t>S</a:t>
+            </a:r>
+            <a:r>
+              <a:rPr lang="de-DE" dirty="0" smtClean="0"/>
+              <a:t>amplepunkte</a:t>
             </a:r>
             <a:endParaRPr lang="de-DE" dirty="0" smtClean="0"/>
           </a:p>
@@ -4839,8 +4827,8 @@
         </p:nvSpPr>
         <p:spPr>
           <a:xfrm>
-            <a:off x="6346781" y="2096067"/>
-            <a:ext cx="4254178" cy="954107"/>
+            <a:off x="5779972" y="1889033"/>
+            <a:ext cx="5232523" cy="954107"/>
           </a:xfrm>
           <a:prstGeom prst="rect">
             <a:avLst/>
@@ -4865,11 +4853,8 @@
                   </a:outerShdw>
                 </a:effectLst>
               </a:rPr>
-              <a:t>Alle Varianzen kleiner 0.001</a:t>
-            </a:r>
-          </a:p>
-          <a:p>
-            <a:pPr algn="ctr"/>
+              <a:t>Alle Varianzen kleiner </a:t>
+            </a:r>
             <a:r>
               <a:rPr lang="de-DE" sz="2800" dirty="0" smtClean="0">
                 <a:ln w="0"/>
@@ -4881,7 +4866,46 @@
                   </a:outerShdw>
                 </a:effectLst>
               </a:rPr>
-              <a:t>wurden rausgeworfen</a:t>
+              <a:t>0.001 und</a:t>
+            </a:r>
+            <a:endParaRPr lang="de-DE" sz="2800" dirty="0" smtClean="0">
+              <a:ln w="0"/>
+              <a:effectLst>
+                <a:outerShdw blurRad="38100" dist="19050" dir="2700000" algn="tl" rotWithShape="0">
+                  <a:schemeClr val="dk1">
+                    <a:alpha val="40000"/>
+                  </a:schemeClr>
+                </a:outerShdw>
+              </a:effectLst>
+            </a:endParaRPr>
+          </a:p>
+          <a:p>
+            <a:pPr algn="ctr"/>
+            <a:r>
+              <a:rPr lang="de-DE" sz="2800" dirty="0" smtClean="0">
+                <a:ln w="0"/>
+                <a:effectLst>
+                  <a:outerShdw blurRad="38100" dist="19050" dir="2700000" algn="tl" rotWithShape="0">
+                    <a:schemeClr val="dk1">
+                      <a:alpha val="40000"/>
+                    </a:schemeClr>
+                  </a:outerShdw>
+                </a:effectLst>
+              </a:rPr>
+              <a:t>größer 0.08 wurden </a:t>
+            </a:r>
+            <a:r>
+              <a:rPr lang="de-DE" sz="2800" dirty="0" smtClean="0">
+                <a:ln w="0"/>
+                <a:effectLst>
+                  <a:outerShdw blurRad="38100" dist="19050" dir="2700000" algn="tl" rotWithShape="0">
+                    <a:schemeClr val="dk1">
+                      <a:alpha val="40000"/>
+                    </a:schemeClr>
+                  </a:outerShdw>
+                </a:effectLst>
+              </a:rPr>
+              <a:t>rausgeworfen</a:t>
             </a:r>
             <a:endParaRPr lang="de-DE" sz="2800" b="0" cap="none" spc="0" dirty="0">
               <a:ln w="0"/>
@@ -4896,6 +4920,54 @@
                 </a:outerShdw>
               </a:effectLst>
             </a:endParaRPr>
+          </a:p>
+        </p:txBody>
+      </p:sp>
+      <p:sp>
+        <p:nvSpPr>
+          <p:cNvPr id="9" name="Pfeil nach unten 8"/>
+          <p:cNvSpPr/>
+          <p:nvPr/>
+        </p:nvSpPr>
+        <p:spPr>
+          <a:xfrm>
+            <a:off x="7939033" y="4620883"/>
+            <a:ext cx="457200" cy="422694"/>
+          </a:xfrm>
+          <a:prstGeom prst="downArrow">
+            <a:avLst/>
+          </a:prstGeom>
+          <a:solidFill>
+            <a:schemeClr val="accent6"/>
+          </a:solidFill>
+          <a:ln>
+            <a:solidFill>
+              <a:schemeClr val="accent6"/>
+            </a:solidFill>
+          </a:ln>
+        </p:spPr>
+        <p:style>
+          <a:lnRef idx="2">
+            <a:schemeClr val="accent1">
+              <a:shade val="50000"/>
+            </a:schemeClr>
+          </a:lnRef>
+          <a:fillRef idx="1">
+            <a:schemeClr val="accent1"/>
+          </a:fillRef>
+          <a:effectRef idx="0">
+            <a:schemeClr val="accent1"/>
+          </a:effectRef>
+          <a:fontRef idx="minor">
+            <a:schemeClr val="lt1"/>
+          </a:fontRef>
+        </p:style>
+        <p:txBody>
+          <a:bodyPr rtlCol="0" anchor="ctr"/>
+          <a:lstStyle/>
+          <a:p>
+            <a:pPr algn="ctr"/>
+            <a:endParaRPr lang="de-DE"/>
           </a:p>
         </p:txBody>
       </p:sp>

--- a/03_exposé/Results.pptx
+++ b/03_exposé/Results.pptx
@@ -6,21 +6,28 @@
   </p:sldMasterIdLst>
   <p:sldIdLst>
     <p:sldId id="257" r:id="rId2"/>
-    <p:sldId id="258" r:id="rId3"/>
-    <p:sldId id="260" r:id="rId4"/>
-    <p:sldId id="261" r:id="rId5"/>
-    <p:sldId id="262" r:id="rId6"/>
-    <p:sldId id="263" r:id="rId7"/>
-    <p:sldId id="264" r:id="rId8"/>
-    <p:sldId id="265" r:id="rId9"/>
-    <p:sldId id="266" r:id="rId10"/>
-    <p:sldId id="267" r:id="rId11"/>
-    <p:sldId id="268" r:id="rId12"/>
-    <p:sldId id="269" r:id="rId13"/>
-    <p:sldId id="270" r:id="rId14"/>
-    <p:sldId id="271" r:id="rId15"/>
-    <p:sldId id="272" r:id="rId16"/>
-    <p:sldId id="273" r:id="rId17"/>
+    <p:sldId id="274" r:id="rId3"/>
+    <p:sldId id="279" r:id="rId4"/>
+    <p:sldId id="275" r:id="rId5"/>
+    <p:sldId id="278" r:id="rId6"/>
+    <p:sldId id="284" r:id="rId7"/>
+    <p:sldId id="276" r:id="rId8"/>
+    <p:sldId id="258" r:id="rId9"/>
+    <p:sldId id="260" r:id="rId10"/>
+    <p:sldId id="261" r:id="rId11"/>
+    <p:sldId id="262" r:id="rId12"/>
+    <p:sldId id="263" r:id="rId13"/>
+    <p:sldId id="264" r:id="rId14"/>
+    <p:sldId id="265" r:id="rId15"/>
+    <p:sldId id="266" r:id="rId16"/>
+    <p:sldId id="267" r:id="rId17"/>
+    <p:sldId id="268" r:id="rId18"/>
+    <p:sldId id="271" r:id="rId19"/>
+    <p:sldId id="280" r:id="rId20"/>
+    <p:sldId id="281" r:id="rId21"/>
+    <p:sldId id="282" r:id="rId22"/>
+    <p:sldId id="283" r:id="rId23"/>
+    <p:sldId id="285" r:id="rId24"/>
   </p:sldIdLst>
   <p:sldSz cx="12192000" cy="6858000"/>
   <p:notesSz cx="6858000" cy="9144000"/>
@@ -127,6 +134,18 @@
 </p:presentation>
 </file>
 
+<file path=ppt/commentAuthors.xml><?xml version="1.0" encoding="utf-8"?>
+<p:cmAuthorLst xmlns:a="http://schemas.openxmlformats.org/drawingml/2006/main" xmlns:r="http://schemas.openxmlformats.org/officeDocument/2006/relationships" xmlns:p="http://schemas.openxmlformats.org/presentationml/2006/main">
+  <p:cmAuthor id="1" name="acer" initials="a" lastIdx="1" clrIdx="0">
+    <p:extLst>
+      <p:ext uri="{19B8F6BF-5375-455C-9EA6-DF929625EA0E}">
+        <p15:presenceInfo xmlns:p15="http://schemas.microsoft.com/office/powerpoint/2012/main" userId="73ad2c6a92af4c3f" providerId="Windows Live"/>
+      </p:ext>
+    </p:extLst>
+  </p:cmAuthor>
+</p:cmAuthorLst>
+</file>
+
 <file path=ppt/slideLayouts/slideLayout1.xml><?xml version="1.0" encoding="utf-8"?>
 <p:sldLayout xmlns:a="http://schemas.openxmlformats.org/drawingml/2006/main" xmlns:r="http://schemas.openxmlformats.org/officeDocument/2006/relationships" xmlns:p="http://schemas.openxmlformats.org/presentationml/2006/main" showMasterSp="0" type="title" preserve="1">
   <p:cSld name="Titelfolie">
@@ -352,7 +371,7 @@
             <a:fld id="{5586B75A-687E-405C-8A0B-8D00578BA2C3}" type="datetimeFigureOut">
               <a:rPr lang="en-US" dirty="0"/>
               <a:pPr/>
-              <a:t>1/22/2022</a:t>
+              <a:t>1/24/2022</a:t>
             </a:fld>
             <a:endParaRPr lang="en-US" dirty="0"/>
           </a:p>
@@ -519,7 +538,7 @@
             <a:fld id="{5586B75A-687E-405C-8A0B-8D00578BA2C3}" type="datetimeFigureOut">
               <a:rPr lang="en-US" dirty="0"/>
               <a:pPr/>
-              <a:t>1/22/2022</a:t>
+              <a:t>1/24/2022</a:t>
             </a:fld>
             <a:endParaRPr lang="en-US" dirty="0"/>
           </a:p>
@@ -696,7 +715,7 @@
             <a:fld id="{5586B75A-687E-405C-8A0B-8D00578BA2C3}" type="datetimeFigureOut">
               <a:rPr lang="en-US" dirty="0"/>
               <a:pPr/>
-              <a:t>1/22/2022</a:t>
+              <a:t>1/24/2022</a:t>
             </a:fld>
             <a:endParaRPr lang="en-US" dirty="0"/>
           </a:p>
@@ -863,7 +882,7 @@
             <a:fld id="{5586B75A-687E-405C-8A0B-8D00578BA2C3}" type="datetimeFigureOut">
               <a:rPr lang="en-US" dirty="0"/>
               <a:pPr/>
-              <a:t>1/22/2022</a:t>
+              <a:t>1/24/2022</a:t>
             </a:fld>
             <a:endParaRPr lang="en-US" dirty="0"/>
           </a:p>
@@ -1118,7 +1137,7 @@
             <a:fld id="{5586B75A-687E-405C-8A0B-8D00578BA2C3}" type="datetimeFigureOut">
               <a:rPr lang="en-US" dirty="0"/>
               <a:pPr/>
-              <a:t>1/22/2022</a:t>
+              <a:t>1/24/2022</a:t>
             </a:fld>
             <a:endParaRPr lang="en-US" dirty="0"/>
           </a:p>
@@ -1403,7 +1422,7 @@
             <a:fld id="{5586B75A-687E-405C-8A0B-8D00578BA2C3}" type="datetimeFigureOut">
               <a:rPr lang="en-US" dirty="0"/>
               <a:pPr/>
-              <a:t>1/22/2022</a:t>
+              <a:t>1/24/2022</a:t>
             </a:fld>
             <a:endParaRPr lang="en-US" dirty="0"/>
           </a:p>
@@ -1842,7 +1861,7 @@
             <a:fld id="{5586B75A-687E-405C-8A0B-8D00578BA2C3}" type="datetimeFigureOut">
               <a:rPr lang="en-US" dirty="0"/>
               <a:pPr/>
-              <a:t>1/22/2022</a:t>
+              <a:t>1/24/2022</a:t>
             </a:fld>
             <a:endParaRPr lang="en-US" dirty="0"/>
           </a:p>
@@ -1957,7 +1976,7 @@
             <a:fld id="{5586B75A-687E-405C-8A0B-8D00578BA2C3}" type="datetimeFigureOut">
               <a:rPr lang="en-US" dirty="0"/>
               <a:pPr/>
-              <a:t>1/22/2022</a:t>
+              <a:t>1/24/2022</a:t>
             </a:fld>
             <a:endParaRPr lang="en-US" dirty="0"/>
           </a:p>
@@ -2049,7 +2068,7 @@
             <a:fld id="{5586B75A-687E-405C-8A0B-8D00578BA2C3}" type="datetimeFigureOut">
               <a:rPr lang="en-US" dirty="0"/>
               <a:pPr/>
-              <a:t>1/22/2022</a:t>
+              <a:t>1/24/2022</a:t>
             </a:fld>
             <a:endParaRPr lang="en-US" dirty="0"/>
           </a:p>
@@ -2334,7 +2353,7 @@
             <a:fld id="{5586B75A-687E-405C-8A0B-8D00578BA2C3}" type="datetimeFigureOut">
               <a:rPr lang="en-US" dirty="0"/>
               <a:pPr/>
-              <a:t>1/22/2022</a:t>
+              <a:t>1/24/2022</a:t>
             </a:fld>
             <a:endParaRPr lang="en-US" dirty="0"/>
           </a:p>
@@ -2604,7 +2623,7 @@
             <a:fld id="{5586B75A-687E-405C-8A0B-8D00578BA2C3}" type="datetimeFigureOut">
               <a:rPr lang="en-US" dirty="0"/>
               <a:pPr/>
-              <a:t>1/22/2022</a:t>
+              <a:t>1/24/2022</a:t>
             </a:fld>
             <a:endParaRPr lang="en-US" dirty="0"/>
           </a:p>
@@ -2898,7 +2917,7 @@
             <a:fld id="{5586B75A-687E-405C-8A0B-8D00578BA2C3}" type="datetimeFigureOut">
               <a:rPr lang="en-US" dirty="0"/>
               <a:pPr/>
-              <a:t>1/22/2022</a:t>
+              <a:t>1/24/2022</a:t>
             </a:fld>
             <a:endParaRPr lang="en-US" dirty="0"/>
           </a:p>
@@ -3556,16 +3575,14 @@
         </p:nvSpPr>
         <p:spPr/>
         <p:txBody>
-          <a:bodyPr>
-            <a:normAutofit/>
-          </a:bodyPr>
-          <a:lstStyle/>
-          <a:p>
-            <a:r>
-              <a:rPr lang="de-DE" sz="2800" dirty="0" smtClean="0"/>
-              <a:t>Regressionstabelle</a:t>
-            </a:r>
-            <a:endParaRPr lang="de-DE" sz="2800" dirty="0"/>
+          <a:bodyPr/>
+          <a:lstStyle/>
+          <a:p>
+            <a:r>
+              <a:rPr lang="de-DE" dirty="0" smtClean="0"/>
+              <a:t>Bereinigung der Daten</a:t>
+            </a:r>
+            <a:endParaRPr lang="de-DE" dirty="0"/>
           </a:p>
         </p:txBody>
       </p:sp>
@@ -3587,14 +3604,1411 @@
         </p:blipFill>
         <p:spPr>
           <a:xfrm>
-            <a:off x="3868738" y="1867505"/>
-            <a:ext cx="7315200" cy="3113464"/>
+            <a:off x="4032986" y="2032741"/>
+            <a:ext cx="7315200" cy="3903626"/>
           </a:xfrm>
           <a:prstGeom prst="rect">
             <a:avLst/>
           </a:prstGeom>
         </p:spPr>
       </p:pic>
+      <p:sp>
+        <p:nvSpPr>
+          <p:cNvPr id="7" name="Pfeil nach unten 6"/>
+          <p:cNvSpPr/>
+          <p:nvPr/>
+        </p:nvSpPr>
+        <p:spPr>
+          <a:xfrm>
+            <a:off x="4334979" y="2407506"/>
+            <a:ext cx="457200" cy="422694"/>
+          </a:xfrm>
+          <a:prstGeom prst="downArrow">
+            <a:avLst/>
+          </a:prstGeom>
+          <a:solidFill>
+            <a:schemeClr val="accent6"/>
+          </a:solidFill>
+          <a:ln>
+            <a:solidFill>
+              <a:schemeClr val="accent6"/>
+            </a:solidFill>
+          </a:ln>
+        </p:spPr>
+        <p:style>
+          <a:lnRef idx="2">
+            <a:schemeClr val="accent1">
+              <a:shade val="50000"/>
+            </a:schemeClr>
+          </a:lnRef>
+          <a:fillRef idx="1">
+            <a:schemeClr val="accent1"/>
+          </a:fillRef>
+          <a:effectRef idx="0">
+            <a:schemeClr val="accent1"/>
+          </a:effectRef>
+          <a:fontRef idx="minor">
+            <a:schemeClr val="lt1"/>
+          </a:fontRef>
+        </p:style>
+        <p:txBody>
+          <a:bodyPr rtlCol="0" anchor="ctr"/>
+          <a:lstStyle/>
+          <a:p>
+            <a:pPr algn="ctr"/>
+            <a:endParaRPr lang="de-DE"/>
+          </a:p>
+        </p:txBody>
+      </p:sp>
+      <p:sp>
+        <p:nvSpPr>
+          <p:cNvPr id="8" name="Rechteck 7"/>
+          <p:cNvSpPr/>
+          <p:nvPr/>
+        </p:nvSpPr>
+        <p:spPr>
+          <a:xfrm>
+            <a:off x="5551371" y="2718057"/>
+            <a:ext cx="5232523" cy="954107"/>
+          </a:xfrm>
+          <a:prstGeom prst="rect">
+            <a:avLst/>
+          </a:prstGeom>
+          <a:noFill/>
+        </p:spPr>
+        <p:txBody>
+          <a:bodyPr wrap="none" lIns="91440" tIns="45720" rIns="91440" bIns="45720">
+            <a:spAutoFit/>
+          </a:bodyPr>
+          <a:lstStyle/>
+          <a:p>
+            <a:pPr algn="ctr"/>
+            <a:r>
+              <a:rPr lang="de-DE" sz="2800" dirty="0" smtClean="0">
+                <a:ln w="0"/>
+                <a:effectLst>
+                  <a:outerShdw blurRad="38100" dist="19050" dir="2700000" algn="tl" rotWithShape="0">
+                    <a:schemeClr val="dk1">
+                      <a:alpha val="40000"/>
+                    </a:schemeClr>
+                  </a:outerShdw>
+                </a:effectLst>
+              </a:rPr>
+              <a:t>Alle Varianzen kleiner 0.001 und</a:t>
+            </a:r>
+          </a:p>
+          <a:p>
+            <a:pPr algn="ctr"/>
+            <a:r>
+              <a:rPr lang="de-DE" sz="2800" dirty="0" smtClean="0">
+                <a:ln w="0"/>
+                <a:effectLst>
+                  <a:outerShdw blurRad="38100" dist="19050" dir="2700000" algn="tl" rotWithShape="0">
+                    <a:schemeClr val="dk1">
+                      <a:alpha val="40000"/>
+                    </a:schemeClr>
+                  </a:outerShdw>
+                </a:effectLst>
+              </a:rPr>
+              <a:t>größer 0.08 wurden rausgeworfen</a:t>
+            </a:r>
+            <a:endParaRPr lang="de-DE" sz="2800" b="0" cap="none" spc="0" dirty="0">
+              <a:ln w="0"/>
+              <a:solidFill>
+                <a:schemeClr val="tx1"/>
+              </a:solidFill>
+              <a:effectLst>
+                <a:outerShdw blurRad="38100" dist="19050" dir="2700000" algn="tl" rotWithShape="0">
+                  <a:schemeClr val="dk1">
+                    <a:alpha val="40000"/>
+                  </a:schemeClr>
+                </a:outerShdw>
+              </a:effectLst>
+            </a:endParaRPr>
+          </a:p>
+        </p:txBody>
+      </p:sp>
+      <p:sp>
+        <p:nvSpPr>
+          <p:cNvPr id="9" name="Pfeil nach unten 8"/>
+          <p:cNvSpPr/>
+          <p:nvPr/>
+        </p:nvSpPr>
+        <p:spPr>
+          <a:xfrm>
+            <a:off x="8240957" y="5203122"/>
+            <a:ext cx="457200" cy="422694"/>
+          </a:xfrm>
+          <a:prstGeom prst="downArrow">
+            <a:avLst/>
+          </a:prstGeom>
+          <a:solidFill>
+            <a:schemeClr val="accent6"/>
+          </a:solidFill>
+          <a:ln>
+            <a:solidFill>
+              <a:schemeClr val="accent6"/>
+            </a:solidFill>
+          </a:ln>
+        </p:spPr>
+        <p:style>
+          <a:lnRef idx="2">
+            <a:schemeClr val="accent1">
+              <a:shade val="50000"/>
+            </a:schemeClr>
+          </a:lnRef>
+          <a:fillRef idx="1">
+            <a:schemeClr val="accent1"/>
+          </a:fillRef>
+          <a:effectRef idx="0">
+            <a:schemeClr val="accent1"/>
+          </a:effectRef>
+          <a:fontRef idx="minor">
+            <a:schemeClr val="lt1"/>
+          </a:fontRef>
+        </p:style>
+        <p:txBody>
+          <a:bodyPr rtlCol="0" anchor="ctr"/>
+          <a:lstStyle/>
+          <a:p>
+            <a:pPr algn="ctr"/>
+            <a:endParaRPr lang="de-DE"/>
+          </a:p>
+        </p:txBody>
+      </p:sp>
+      <p:sp>
+        <p:nvSpPr>
+          <p:cNvPr id="10" name="Textfeld 9"/>
+          <p:cNvSpPr txBox="1"/>
+          <p:nvPr/>
+        </p:nvSpPr>
+        <p:spPr>
+          <a:xfrm>
+            <a:off x="4032986" y="832412"/>
+            <a:ext cx="4533100" cy="1200329"/>
+          </a:xfrm>
+          <a:prstGeom prst="rect">
+            <a:avLst/>
+          </a:prstGeom>
+          <a:noFill/>
+        </p:spPr>
+        <p:txBody>
+          <a:bodyPr wrap="none" rtlCol="0">
+            <a:spAutoFit/>
+          </a:bodyPr>
+          <a:lstStyle/>
+          <a:p>
+            <a:pPr marL="285750" indent="-285750">
+              <a:buFont typeface="Arial" panose="020B0604020202020204" pitchFamily="34" charset="0"/>
+              <a:buChar char="•"/>
+            </a:pPr>
+            <a:r>
+              <a:rPr lang="de-DE" dirty="0" smtClean="0"/>
+              <a:t>Bereinigen der Daten anhand von </a:t>
+            </a:r>
+          </a:p>
+          <a:p>
+            <a:pPr marL="742950" lvl="1" indent="-285750">
+              <a:buFont typeface="Arial" panose="020B0604020202020204" pitchFamily="34" charset="0"/>
+              <a:buChar char="•"/>
+            </a:pPr>
+            <a:r>
+              <a:rPr lang="de-DE" dirty="0" smtClean="0"/>
+              <a:t>Varianz (zu klein oder zu groß)</a:t>
+            </a:r>
+          </a:p>
+          <a:p>
+            <a:pPr marL="742950" lvl="1" indent="-285750">
+              <a:buFont typeface="Arial" panose="020B0604020202020204" pitchFamily="34" charset="0"/>
+              <a:buChar char="•"/>
+            </a:pPr>
+            <a:r>
+              <a:rPr lang="de-DE" dirty="0" smtClean="0"/>
+              <a:t>Anzahl der Samplepunkte (zu wenige)</a:t>
+            </a:r>
+          </a:p>
+          <a:p>
+            <a:r>
+              <a:rPr lang="de-DE" dirty="0" smtClean="0">
+                <a:sym typeface="Wingdings" panose="05000000000000000000" pitchFamily="2" charset="2"/>
+              </a:rPr>
+              <a:t> 554 von 3971 Kanälen fliegen raus</a:t>
+            </a:r>
+            <a:r>
+              <a:rPr lang="de-DE" dirty="0" smtClean="0"/>
+              <a:t> </a:t>
+            </a:r>
+            <a:endParaRPr lang="de-DE" dirty="0"/>
+          </a:p>
+        </p:txBody>
+      </p:sp>
+      <p:sp>
+        <p:nvSpPr>
+          <p:cNvPr id="3" name="Textfeld 2"/>
+          <p:cNvSpPr txBox="1"/>
+          <p:nvPr/>
+        </p:nvSpPr>
+        <p:spPr>
+          <a:xfrm>
+            <a:off x="4252823" y="5831457"/>
+            <a:ext cx="7095363" cy="461665"/>
+          </a:xfrm>
+          <a:prstGeom prst="rect">
+            <a:avLst/>
+          </a:prstGeom>
+          <a:noFill/>
+        </p:spPr>
+        <p:txBody>
+          <a:bodyPr wrap="square" rtlCol="0">
+            <a:spAutoFit/>
+          </a:bodyPr>
+          <a:lstStyle/>
+          <a:p>
+            <a:r>
+              <a:rPr lang="de-DE" sz="1200" i="1" dirty="0" smtClean="0"/>
+              <a:t>Abbildung </a:t>
+            </a:r>
+            <a:r>
+              <a:rPr lang="de-DE" sz="1200" i="1" dirty="0" smtClean="0"/>
+              <a:t>4</a:t>
+            </a:r>
+            <a:r>
+              <a:rPr lang="de-DE" sz="1200" dirty="0" smtClean="0"/>
+              <a:t>. </a:t>
+            </a:r>
+            <a:r>
+              <a:rPr lang="de-DE" sz="1200" dirty="0" smtClean="0"/>
+              <a:t>Histogramm aller berechneten Varianzen in den unbereinigten und in vier Teile gesplitteten Daten.</a:t>
+            </a:r>
+            <a:endParaRPr lang="de-DE" sz="1200" dirty="0"/>
+          </a:p>
+        </p:txBody>
+      </p:sp>
+    </p:spTree>
+    <p:extLst>
+      <p:ext uri="{BB962C8B-B14F-4D97-AF65-F5344CB8AC3E}">
+        <p14:creationId xmlns:p14="http://schemas.microsoft.com/office/powerpoint/2010/main" val="1064137129"/>
+      </p:ext>
+    </p:extLst>
+  </p:cSld>
+  <p:clrMapOvr>
+    <a:masterClrMapping/>
+  </p:clrMapOvr>
+</p:sld>
+</file>
+
+<file path=ppt/slides/slide11.xml><?xml version="1.0" encoding="utf-8"?>
+<p:sld xmlns:a="http://schemas.openxmlformats.org/drawingml/2006/main" xmlns:r="http://schemas.openxmlformats.org/officeDocument/2006/relationships" xmlns:p="http://schemas.openxmlformats.org/presentationml/2006/main">
+  <p:cSld>
+    <p:spTree>
+      <p:nvGrpSpPr>
+        <p:cNvPr id="1" name=""/>
+        <p:cNvGrpSpPr/>
+        <p:nvPr/>
+      </p:nvGrpSpPr>
+      <p:grpSpPr>
+        <a:xfrm>
+          <a:off x="0" y="0"/>
+          <a:ext cx="0" cy="0"/>
+          <a:chOff x="0" y="0"/>
+          <a:chExt cx="0" cy="0"/>
+        </a:xfrm>
+      </p:grpSpPr>
+      <p:sp>
+        <p:nvSpPr>
+          <p:cNvPr id="2" name="Titel 1"/>
+          <p:cNvSpPr>
+            <a:spLocks noGrp="1"/>
+          </p:cNvSpPr>
+          <p:nvPr>
+            <p:ph type="title"/>
+          </p:nvPr>
+        </p:nvSpPr>
+        <p:spPr/>
+        <p:txBody>
+          <a:bodyPr/>
+          <a:lstStyle/>
+          <a:p>
+            <a:r>
+              <a:rPr lang="de-DE" dirty="0" smtClean="0"/>
+              <a:t>FFT</a:t>
+            </a:r>
+            <a:endParaRPr lang="de-DE" dirty="0"/>
+          </a:p>
+        </p:txBody>
+      </p:sp>
+      <p:sp>
+        <p:nvSpPr>
+          <p:cNvPr id="3" name="Inhaltsplatzhalter 2"/>
+          <p:cNvSpPr>
+            <a:spLocks noGrp="1"/>
+          </p:cNvSpPr>
+          <p:nvPr>
+            <p:ph idx="1"/>
+          </p:nvPr>
+        </p:nvSpPr>
+        <p:spPr/>
+        <p:txBody>
+          <a:bodyPr/>
+          <a:lstStyle/>
+          <a:p>
+            <a:r>
+              <a:rPr lang="de-DE" dirty="0" smtClean="0"/>
+              <a:t>Filtern: </a:t>
+            </a:r>
+          </a:p>
+          <a:p>
+            <a:pPr lvl="1"/>
+            <a:r>
+              <a:rPr lang="de-DE" dirty="0" err="1" smtClean="0"/>
+              <a:t>Demean</a:t>
+            </a:r>
+            <a:endParaRPr lang="de-DE" dirty="0" smtClean="0"/>
+          </a:p>
+          <a:p>
+            <a:pPr lvl="1"/>
+            <a:r>
+              <a:rPr lang="de-DE" dirty="0" smtClean="0"/>
+              <a:t>0.5 Hz high-pass Filter</a:t>
+            </a:r>
+          </a:p>
+          <a:p>
+            <a:pPr lvl="1"/>
+            <a:r>
+              <a:rPr lang="de-DE" dirty="0" smtClean="0"/>
+              <a:t>45 Hz </a:t>
+            </a:r>
+            <a:r>
+              <a:rPr lang="de-DE" dirty="0" err="1" smtClean="0"/>
+              <a:t>low</a:t>
+            </a:r>
+            <a:r>
+              <a:rPr lang="de-DE" dirty="0" smtClean="0"/>
+              <a:t>-pass Filter</a:t>
+            </a:r>
+          </a:p>
+          <a:p>
+            <a:r>
+              <a:rPr lang="de-DE" dirty="0" smtClean="0"/>
+              <a:t>TFR mit </a:t>
+            </a:r>
+            <a:r>
+              <a:rPr lang="de-DE" dirty="0" err="1" smtClean="0"/>
+              <a:t>Hanning</a:t>
+            </a:r>
+            <a:r>
+              <a:rPr lang="de-DE" dirty="0" smtClean="0"/>
+              <a:t> Tapern</a:t>
+            </a:r>
+          </a:p>
+          <a:p>
+            <a:pPr lvl="1"/>
+            <a:r>
+              <a:rPr lang="de-DE" dirty="0" smtClean="0"/>
+              <a:t>Errechnen der Powerspektren</a:t>
+            </a:r>
+          </a:p>
+          <a:p>
+            <a:pPr lvl="1"/>
+            <a:endParaRPr lang="de-DE" dirty="0"/>
+          </a:p>
+          <a:p>
+            <a:pPr lvl="1"/>
+            <a:endParaRPr lang="de-DE" dirty="0" smtClean="0"/>
+          </a:p>
+          <a:p>
+            <a:pPr lvl="1"/>
+            <a:endParaRPr lang="de-DE" dirty="0"/>
+          </a:p>
+          <a:p>
+            <a:pPr lvl="1"/>
+            <a:endParaRPr lang="de-DE" dirty="0" smtClean="0"/>
+          </a:p>
+          <a:p>
+            <a:pPr lvl="1"/>
+            <a:endParaRPr lang="de-DE" dirty="0"/>
+          </a:p>
+          <a:p>
+            <a:pPr lvl="1"/>
+            <a:endParaRPr lang="de-DE" dirty="0" smtClean="0"/>
+          </a:p>
+          <a:p>
+            <a:pPr lvl="1"/>
+            <a:endParaRPr lang="de-DE" dirty="0"/>
+          </a:p>
+          <a:p>
+            <a:pPr lvl="1"/>
+            <a:endParaRPr lang="de-DE" dirty="0" smtClean="0"/>
+          </a:p>
+          <a:p>
+            <a:pPr lvl="1"/>
+            <a:endParaRPr lang="de-DE" dirty="0"/>
+          </a:p>
+          <a:p>
+            <a:pPr lvl="1"/>
+            <a:endParaRPr lang="de-DE" dirty="0"/>
+          </a:p>
+        </p:txBody>
+      </p:sp>
+      <p:pic>
+        <p:nvPicPr>
+          <p:cNvPr id="4" name="Grafik 3"/>
+          <p:cNvPicPr>
+            <a:picLocks noChangeAspect="1"/>
+          </p:cNvPicPr>
+          <p:nvPr/>
+        </p:nvPicPr>
+        <p:blipFill>
+          <a:blip r:embed="rId2"/>
+          <a:stretch>
+            <a:fillRect/>
+          </a:stretch>
+        </p:blipFill>
+        <p:spPr>
+          <a:xfrm>
+            <a:off x="3869268" y="2927962"/>
+            <a:ext cx="2655896" cy="3056786"/>
+          </a:xfrm>
+          <a:prstGeom prst="rect">
+            <a:avLst/>
+          </a:prstGeom>
+        </p:spPr>
+      </p:pic>
+      <p:sp>
+        <p:nvSpPr>
+          <p:cNvPr id="5" name="Textfeld 4"/>
+          <p:cNvSpPr txBox="1"/>
+          <p:nvPr/>
+        </p:nvSpPr>
+        <p:spPr>
+          <a:xfrm>
+            <a:off x="3994030" y="5857336"/>
+            <a:ext cx="6410986" cy="646331"/>
+          </a:xfrm>
+          <a:prstGeom prst="rect">
+            <a:avLst/>
+          </a:prstGeom>
+          <a:noFill/>
+        </p:spPr>
+        <p:txBody>
+          <a:bodyPr wrap="none" rtlCol="0">
+            <a:spAutoFit/>
+          </a:bodyPr>
+          <a:lstStyle/>
+          <a:p>
+            <a:r>
+              <a:rPr lang="de-DE" sz="1200" i="1" dirty="0" smtClean="0"/>
+              <a:t>Abbildung </a:t>
+            </a:r>
+            <a:r>
+              <a:rPr lang="de-DE" sz="1200" i="1" dirty="0" smtClean="0"/>
+              <a:t>5</a:t>
+            </a:r>
+            <a:r>
+              <a:rPr lang="de-DE" sz="1200" dirty="0" smtClean="0"/>
+              <a:t>. </a:t>
+            </a:r>
+            <a:r>
+              <a:rPr lang="de-DE" sz="1200" dirty="0" smtClean="0"/>
+              <a:t>Darstellung einer Sinusfunktion (oben) und der entsprechenden</a:t>
+            </a:r>
+          </a:p>
+          <a:p>
+            <a:r>
+              <a:rPr lang="de-DE" sz="1200" dirty="0" smtClean="0"/>
+              <a:t>FFT (unten). Aus LDS (2003). </a:t>
+            </a:r>
+            <a:r>
+              <a:rPr lang="de-DE" sz="1200" i="1" dirty="0" smtClean="0"/>
+              <a:t>Understanding FFT Windows</a:t>
+            </a:r>
+            <a:r>
+              <a:rPr lang="de-DE" sz="1200" i="1" dirty="0"/>
+              <a:t>. </a:t>
+            </a:r>
+            <a:endParaRPr lang="de-DE" sz="1200" i="1" dirty="0" smtClean="0"/>
+          </a:p>
+          <a:p>
+            <a:r>
+              <a:rPr lang="de-DE" sz="1200" dirty="0" smtClean="0"/>
+              <a:t>https</a:t>
+            </a:r>
+            <a:r>
+              <a:rPr lang="de-DE" sz="1200" dirty="0"/>
+              <a:t>://www.egr.msu.edu/classes/me451/me451_labs/Fall_2014/Understanding_FFT_Windows.pdf</a:t>
+            </a:r>
+          </a:p>
+        </p:txBody>
+      </p:sp>
+    </p:spTree>
+    <p:extLst>
+      <p:ext uri="{BB962C8B-B14F-4D97-AF65-F5344CB8AC3E}">
+        <p14:creationId xmlns:p14="http://schemas.microsoft.com/office/powerpoint/2010/main" val="166307977"/>
+      </p:ext>
+    </p:extLst>
+  </p:cSld>
+  <p:clrMapOvr>
+    <a:masterClrMapping/>
+  </p:clrMapOvr>
+</p:sld>
+</file>
+
+<file path=ppt/slides/slide12.xml><?xml version="1.0" encoding="utf-8"?>
+<p:sld xmlns:a="http://schemas.openxmlformats.org/drawingml/2006/main" xmlns:r="http://schemas.openxmlformats.org/officeDocument/2006/relationships" xmlns:p="http://schemas.openxmlformats.org/presentationml/2006/main">
+  <p:cSld>
+    <p:spTree>
+      <p:nvGrpSpPr>
+        <p:cNvPr id="1" name=""/>
+        <p:cNvGrpSpPr/>
+        <p:nvPr/>
+      </p:nvGrpSpPr>
+      <p:grpSpPr>
+        <a:xfrm>
+          <a:off x="0" y="0"/>
+          <a:ext cx="0" cy="0"/>
+          <a:chOff x="0" y="0"/>
+          <a:chExt cx="0" cy="0"/>
+        </a:xfrm>
+      </p:grpSpPr>
+      <p:sp>
+        <p:nvSpPr>
+          <p:cNvPr id="2" name="Titel 1"/>
+          <p:cNvSpPr>
+            <a:spLocks noGrp="1"/>
+          </p:cNvSpPr>
+          <p:nvPr>
+            <p:ph type="title"/>
+          </p:nvPr>
+        </p:nvSpPr>
+        <p:spPr/>
+        <p:txBody>
+          <a:bodyPr/>
+          <a:lstStyle/>
+          <a:p>
+            <a:r>
+              <a:rPr lang="de-DE" dirty="0" smtClean="0"/>
+              <a:t>FOOOF</a:t>
+            </a:r>
+            <a:endParaRPr lang="de-DE" dirty="0"/>
+          </a:p>
+        </p:txBody>
+      </p:sp>
+      <p:sp>
+        <p:nvSpPr>
+          <p:cNvPr id="3" name="Inhaltsplatzhalter 2"/>
+          <p:cNvSpPr>
+            <a:spLocks noGrp="1"/>
+          </p:cNvSpPr>
+          <p:nvPr>
+            <p:ph idx="1"/>
+          </p:nvPr>
+        </p:nvSpPr>
+        <p:spPr/>
+        <p:txBody>
+          <a:bodyPr/>
+          <a:lstStyle/>
+          <a:p>
+            <a:r>
+              <a:rPr lang="de-DE" dirty="0" smtClean="0"/>
+              <a:t>Algorithmus, um die aperiodischen Komponenten von den periodischen zu trennen</a:t>
+            </a:r>
+          </a:p>
+          <a:p>
+            <a:endParaRPr lang="de-DE" dirty="0"/>
+          </a:p>
+          <a:p>
+            <a:endParaRPr lang="de-DE" dirty="0" smtClean="0"/>
+          </a:p>
+          <a:p>
+            <a:endParaRPr lang="de-DE" dirty="0"/>
+          </a:p>
+          <a:p>
+            <a:endParaRPr lang="de-DE" dirty="0" smtClean="0"/>
+          </a:p>
+          <a:p>
+            <a:endParaRPr lang="de-DE" dirty="0"/>
+          </a:p>
+          <a:p>
+            <a:endParaRPr lang="de-DE" dirty="0" smtClean="0"/>
+          </a:p>
+          <a:p>
+            <a:endParaRPr lang="de-DE" dirty="0"/>
+          </a:p>
+          <a:p>
+            <a:endParaRPr lang="de-DE" dirty="0" smtClean="0"/>
+          </a:p>
+          <a:p>
+            <a:endParaRPr lang="de-DE" dirty="0"/>
+          </a:p>
+          <a:p>
+            <a:endParaRPr lang="de-DE" dirty="0" smtClean="0"/>
+          </a:p>
+          <a:p>
+            <a:endParaRPr lang="de-DE" dirty="0" smtClean="0"/>
+          </a:p>
+        </p:txBody>
+      </p:sp>
+      <p:pic>
+        <p:nvPicPr>
+          <p:cNvPr id="4" name="Grafik 3"/>
+          <p:cNvPicPr>
+            <a:picLocks noChangeAspect="1"/>
+          </p:cNvPicPr>
+          <p:nvPr/>
+        </p:nvPicPr>
+        <p:blipFill>
+          <a:blip r:embed="rId2"/>
+          <a:stretch>
+            <a:fillRect/>
+          </a:stretch>
+        </p:blipFill>
+        <p:spPr>
+          <a:xfrm>
+            <a:off x="3869268" y="1457865"/>
+            <a:ext cx="3570994" cy="2820567"/>
+          </a:xfrm>
+          <a:prstGeom prst="rect">
+            <a:avLst/>
+          </a:prstGeom>
+        </p:spPr>
+      </p:pic>
+      <p:pic>
+        <p:nvPicPr>
+          <p:cNvPr id="5" name="Grafik 4"/>
+          <p:cNvPicPr>
+            <a:picLocks noChangeAspect="1"/>
+          </p:cNvPicPr>
+          <p:nvPr/>
+        </p:nvPicPr>
+        <p:blipFill>
+          <a:blip r:embed="rId3"/>
+          <a:stretch>
+            <a:fillRect/>
+          </a:stretch>
+        </p:blipFill>
+        <p:spPr>
+          <a:xfrm>
+            <a:off x="7636013" y="1457865"/>
+            <a:ext cx="3548455" cy="2820567"/>
+          </a:xfrm>
+          <a:prstGeom prst="rect">
+            <a:avLst/>
+          </a:prstGeom>
+        </p:spPr>
+      </p:pic>
+      <p:sp>
+        <p:nvSpPr>
+          <p:cNvPr id="6" name="Textfeld 5"/>
+          <p:cNvSpPr txBox="1"/>
+          <p:nvPr/>
+        </p:nvSpPr>
+        <p:spPr>
+          <a:xfrm>
+            <a:off x="3869269" y="4278432"/>
+            <a:ext cx="6991388" cy="646331"/>
+          </a:xfrm>
+          <a:prstGeom prst="rect">
+            <a:avLst/>
+          </a:prstGeom>
+          <a:noFill/>
+        </p:spPr>
+        <p:txBody>
+          <a:bodyPr wrap="square" rtlCol="0">
+            <a:spAutoFit/>
+          </a:bodyPr>
+          <a:lstStyle/>
+          <a:p>
+            <a:r>
+              <a:rPr lang="de-DE" sz="1200" i="1" dirty="0" smtClean="0"/>
+              <a:t>Abbildung </a:t>
+            </a:r>
+            <a:r>
+              <a:rPr lang="de-DE" sz="1200" i="1" dirty="0" smtClean="0"/>
+              <a:t>6</a:t>
+            </a:r>
+            <a:r>
+              <a:rPr lang="de-DE" sz="1200" dirty="0" smtClean="0"/>
+              <a:t>. </a:t>
+            </a:r>
+            <a:r>
+              <a:rPr lang="de-DE" sz="1200" dirty="0" smtClean="0"/>
+              <a:t>Darstellung der aperiodischen Komponente in einem Powerspektrum. </a:t>
+            </a:r>
+          </a:p>
+          <a:p>
+            <a:r>
+              <a:rPr lang="de-DE" sz="1200" dirty="0" smtClean="0"/>
+              <a:t>Aus </a:t>
+            </a:r>
+            <a:r>
+              <a:rPr lang="de-DE" sz="1200" dirty="0" err="1" smtClean="0"/>
+              <a:t>VoytekLab</a:t>
+            </a:r>
+            <a:r>
+              <a:rPr lang="de-DE" sz="1200" dirty="0" smtClean="0"/>
+              <a:t> 2018 – 2021. </a:t>
+            </a:r>
+            <a:r>
+              <a:rPr lang="de-DE" sz="1200" i="1" dirty="0" smtClean="0"/>
+              <a:t>01: Model Description</a:t>
+            </a:r>
+            <a:r>
+              <a:rPr lang="de-DE" sz="1200" i="1" dirty="0"/>
+              <a:t>. </a:t>
+            </a:r>
+            <a:r>
+              <a:rPr lang="de-DE" sz="1200" dirty="0" smtClean="0"/>
+              <a:t>https</a:t>
+            </a:r>
+            <a:r>
+              <a:rPr lang="de-DE" sz="1200" dirty="0"/>
+              <a:t>://</a:t>
+            </a:r>
+            <a:r>
+              <a:rPr lang="de-DE" sz="1200" dirty="0" smtClean="0"/>
+              <a:t>fooof-tools.github.io/fooof/auto_tutorials/plot_01-</a:t>
+            </a:r>
+          </a:p>
+          <a:p>
+            <a:r>
+              <a:rPr lang="de-DE" sz="1200" dirty="0" smtClean="0"/>
+              <a:t>ModelDescription.html#sphx-glr-auto-tutorials-plot-01-modeldescription-py </a:t>
+            </a:r>
+            <a:endParaRPr lang="de-DE" sz="1200" dirty="0"/>
+          </a:p>
+        </p:txBody>
+      </p:sp>
+    </p:spTree>
+    <p:extLst>
+      <p:ext uri="{BB962C8B-B14F-4D97-AF65-F5344CB8AC3E}">
+        <p14:creationId xmlns:p14="http://schemas.microsoft.com/office/powerpoint/2010/main" val="298152343"/>
+      </p:ext>
+    </p:extLst>
+  </p:cSld>
+  <p:clrMapOvr>
+    <a:masterClrMapping/>
+  </p:clrMapOvr>
+</p:sld>
+</file>
+
+<file path=ppt/slides/slide13.xml><?xml version="1.0" encoding="utf-8"?>
+<p:sld xmlns:a="http://schemas.openxmlformats.org/drawingml/2006/main" xmlns:r="http://schemas.openxmlformats.org/officeDocument/2006/relationships" xmlns:p="http://schemas.openxmlformats.org/presentationml/2006/main">
+  <p:cSld>
+    <p:spTree>
+      <p:nvGrpSpPr>
+        <p:cNvPr id="1" name=""/>
+        <p:cNvGrpSpPr/>
+        <p:nvPr/>
+      </p:nvGrpSpPr>
+      <p:grpSpPr>
+        <a:xfrm>
+          <a:off x="0" y="0"/>
+          <a:ext cx="0" cy="0"/>
+          <a:chOff x="0" y="0"/>
+          <a:chExt cx="0" cy="0"/>
+        </a:xfrm>
+      </p:grpSpPr>
+      <p:sp>
+        <p:nvSpPr>
+          <p:cNvPr id="2" name="Titel 1"/>
+          <p:cNvSpPr>
+            <a:spLocks noGrp="1"/>
+          </p:cNvSpPr>
+          <p:nvPr>
+            <p:ph type="ctrTitle"/>
+          </p:nvPr>
+        </p:nvSpPr>
+        <p:spPr/>
+        <p:txBody>
+          <a:bodyPr>
+            <a:noAutofit/>
+          </a:bodyPr>
+          <a:lstStyle/>
+          <a:p>
+            <a:r>
+              <a:rPr lang="de-DE" sz="4400" dirty="0" smtClean="0"/>
+              <a:t>Zusammenfassung der Variablen</a:t>
+            </a:r>
+            <a:endParaRPr lang="de-DE" sz="4400" dirty="0"/>
+          </a:p>
+        </p:txBody>
+      </p:sp>
+      <p:sp>
+        <p:nvSpPr>
+          <p:cNvPr id="3" name="Untertitel 2"/>
+          <p:cNvSpPr>
+            <a:spLocks noGrp="1"/>
+          </p:cNvSpPr>
+          <p:nvPr>
+            <p:ph type="subTitle" idx="1"/>
+          </p:nvPr>
+        </p:nvSpPr>
+        <p:spPr/>
+        <p:txBody>
+          <a:bodyPr/>
+          <a:lstStyle/>
+          <a:p>
+            <a:r>
+              <a:rPr lang="de-DE" dirty="0" smtClean="0"/>
+              <a:t>Christian Neumann – stu203277@mail.uni-kiel.de</a:t>
+            </a:r>
+          </a:p>
+          <a:p>
+            <a:r>
+              <a:rPr lang="de-DE" dirty="0" err="1" smtClean="0"/>
+              <a:t>Sörensenstraße</a:t>
+            </a:r>
+            <a:r>
+              <a:rPr lang="de-DE" dirty="0" smtClean="0"/>
+              <a:t> 26, 24143 Kiel </a:t>
+            </a:r>
+            <a:endParaRPr lang="de-DE" dirty="0"/>
+          </a:p>
+        </p:txBody>
+      </p:sp>
+      <p:pic>
+        <p:nvPicPr>
+          <p:cNvPr id="4" name="Grafik 3"/>
+          <p:cNvPicPr>
+            <a:picLocks noChangeAspect="1"/>
+          </p:cNvPicPr>
+          <p:nvPr/>
+        </p:nvPicPr>
+        <p:blipFill>
+          <a:blip r:embed="rId2">
+            <a:extLst>
+              <a:ext uri="{28A0092B-C50C-407E-A947-70E740481C1C}">
+                <a14:useLocalDpi xmlns:a14="http://schemas.microsoft.com/office/drawing/2010/main" val="0"/>
+              </a:ext>
+            </a:extLst>
+          </a:blip>
+          <a:stretch>
+            <a:fillRect/>
+          </a:stretch>
+        </p:blipFill>
+        <p:spPr>
+          <a:xfrm>
+            <a:off x="9279004" y="763610"/>
+            <a:ext cx="2912996" cy="1444752"/>
+          </a:xfrm>
+          <a:prstGeom prst="rect">
+            <a:avLst/>
+          </a:prstGeom>
+        </p:spPr>
+      </p:pic>
+      <p:pic>
+        <p:nvPicPr>
+          <p:cNvPr id="5" name="Grafik 4"/>
+          <p:cNvPicPr>
+            <a:picLocks noChangeAspect="1"/>
+          </p:cNvPicPr>
+          <p:nvPr/>
+        </p:nvPicPr>
+        <p:blipFill>
+          <a:blip r:embed="rId3">
+            <a:extLst>
+              <a:ext uri="{28A0092B-C50C-407E-A947-70E740481C1C}">
+                <a14:useLocalDpi xmlns:a14="http://schemas.microsoft.com/office/drawing/2010/main" val="0"/>
+              </a:ext>
+            </a:extLst>
+          </a:blip>
+          <a:stretch>
+            <a:fillRect/>
+          </a:stretch>
+        </p:blipFill>
+        <p:spPr>
+          <a:xfrm>
+            <a:off x="9279004" y="2208362"/>
+            <a:ext cx="2912996" cy="728249"/>
+          </a:xfrm>
+          <a:prstGeom prst="rect">
+            <a:avLst/>
+          </a:prstGeom>
+        </p:spPr>
+      </p:pic>
+    </p:spTree>
+    <p:extLst>
+      <p:ext uri="{BB962C8B-B14F-4D97-AF65-F5344CB8AC3E}">
+        <p14:creationId xmlns:p14="http://schemas.microsoft.com/office/powerpoint/2010/main" val="2090691699"/>
+      </p:ext>
+    </p:extLst>
+  </p:cSld>
+  <p:clrMapOvr>
+    <a:masterClrMapping/>
+  </p:clrMapOvr>
+</p:sld>
+</file>
+
+<file path=ppt/slides/slide14.xml><?xml version="1.0" encoding="utf-8"?>
+<p:sld xmlns:a="http://schemas.openxmlformats.org/drawingml/2006/main" xmlns:r="http://schemas.openxmlformats.org/officeDocument/2006/relationships" xmlns:p="http://schemas.openxmlformats.org/presentationml/2006/main">
+  <p:cSld>
+    <p:spTree>
+      <p:nvGrpSpPr>
+        <p:cNvPr id="1" name=""/>
+        <p:cNvGrpSpPr/>
+        <p:nvPr/>
+      </p:nvGrpSpPr>
+      <p:grpSpPr>
+        <a:xfrm>
+          <a:off x="0" y="0"/>
+          <a:ext cx="0" cy="0"/>
+          <a:chOff x="0" y="0"/>
+          <a:chExt cx="0" cy="0"/>
+        </a:xfrm>
+      </p:grpSpPr>
+      <p:sp>
+        <p:nvSpPr>
+          <p:cNvPr id="2" name="Titel 1"/>
+          <p:cNvSpPr>
+            <a:spLocks noGrp="1"/>
+          </p:cNvSpPr>
+          <p:nvPr>
+            <p:ph type="title"/>
+          </p:nvPr>
+        </p:nvSpPr>
+        <p:spPr/>
+        <p:txBody>
+          <a:bodyPr/>
+          <a:lstStyle/>
+          <a:p>
+            <a:r>
+              <a:rPr lang="de-DE" dirty="0" smtClean="0"/>
+              <a:t>Daten nochmal säubern</a:t>
+            </a:r>
+            <a:endParaRPr lang="de-DE" dirty="0"/>
+          </a:p>
+        </p:txBody>
+      </p:sp>
+      <p:sp>
+        <p:nvSpPr>
+          <p:cNvPr id="3" name="Inhaltsplatzhalter 2"/>
+          <p:cNvSpPr>
+            <a:spLocks noGrp="1"/>
+          </p:cNvSpPr>
+          <p:nvPr>
+            <p:ph idx="1"/>
+          </p:nvPr>
+        </p:nvSpPr>
+        <p:spPr/>
+        <p:txBody>
+          <a:bodyPr/>
+          <a:lstStyle/>
+          <a:p>
+            <a:r>
+              <a:rPr lang="de-DE" dirty="0" smtClean="0"/>
+              <a:t>Was macht der Algorithmus?</a:t>
+            </a:r>
+          </a:p>
+          <a:p>
+            <a:pPr lvl="1"/>
+            <a:r>
+              <a:rPr lang="de-DE" dirty="0" smtClean="0"/>
+              <a:t>Schätzung der aperiodischen Komponente anhand des Power-Spektrums</a:t>
+            </a:r>
+          </a:p>
+          <a:p>
+            <a:pPr lvl="1"/>
+            <a:r>
+              <a:rPr lang="de-DE" dirty="0" smtClean="0"/>
+              <a:t>Diese Schätzung vom Power-Spektrum abziehen</a:t>
+            </a:r>
+          </a:p>
+          <a:p>
+            <a:pPr lvl="1"/>
+            <a:r>
+              <a:rPr lang="de-DE" dirty="0" smtClean="0"/>
+              <a:t>Peaks heraussuchen </a:t>
+            </a:r>
+          </a:p>
+          <a:p>
+            <a:pPr lvl="1"/>
+            <a:r>
+              <a:rPr lang="de-DE" dirty="0" smtClean="0"/>
+              <a:t>Peak-fit vom Original-Spektrum abziehen, um die aperiodische Komponente besser zu schätzen</a:t>
+            </a:r>
+          </a:p>
+          <a:p>
+            <a:pPr lvl="1"/>
+            <a:r>
+              <a:rPr lang="de-DE" dirty="0" smtClean="0"/>
+              <a:t>Rekonstruktion eines finalen </a:t>
+            </a:r>
+            <a:r>
+              <a:rPr lang="de-DE" dirty="0" err="1" smtClean="0"/>
+              <a:t>Fits</a:t>
+            </a:r>
+            <a:r>
+              <a:rPr lang="de-DE" dirty="0" smtClean="0"/>
+              <a:t> um Güte zu berechnen </a:t>
+            </a:r>
+          </a:p>
+          <a:p>
+            <a:r>
+              <a:rPr lang="de-DE" dirty="0" smtClean="0"/>
+              <a:t>Algorithmus nicht perfekt</a:t>
+            </a:r>
+          </a:p>
+          <a:p>
+            <a:pPr lvl="1"/>
+            <a:r>
+              <a:rPr lang="de-DE" dirty="0" smtClean="0"/>
+              <a:t>Schlechte Übereinstimmungen zwischen Schätzung und originalen Daten werden rausgeworfen (großer Abstand oder extrem negative Werte)</a:t>
+            </a:r>
+          </a:p>
+          <a:p>
+            <a:pPr lvl="1"/>
+            <a:r>
+              <a:rPr lang="de-DE" dirty="0" smtClean="0"/>
+              <a:t>1587  Kanäle fliegen hier raus</a:t>
+            </a:r>
+          </a:p>
+          <a:p>
+            <a:pPr marL="0" indent="0">
+              <a:buNone/>
+            </a:pPr>
+            <a:endParaRPr lang="de-DE" dirty="0" smtClean="0"/>
+          </a:p>
+        </p:txBody>
+      </p:sp>
+    </p:spTree>
+    <p:extLst>
+      <p:ext uri="{BB962C8B-B14F-4D97-AF65-F5344CB8AC3E}">
+        <p14:creationId xmlns:p14="http://schemas.microsoft.com/office/powerpoint/2010/main" val="2763524989"/>
+      </p:ext>
+    </p:extLst>
+  </p:cSld>
+  <p:clrMapOvr>
+    <a:masterClrMapping/>
+  </p:clrMapOvr>
+</p:sld>
+</file>
+
+<file path=ppt/slides/slide15.xml><?xml version="1.0" encoding="utf-8"?>
+<p:sld xmlns:a="http://schemas.openxmlformats.org/drawingml/2006/main" xmlns:r="http://schemas.openxmlformats.org/officeDocument/2006/relationships" xmlns:p="http://schemas.openxmlformats.org/presentationml/2006/main">
+  <p:cSld>
+    <p:spTree>
+      <p:nvGrpSpPr>
+        <p:cNvPr id="1" name=""/>
+        <p:cNvGrpSpPr/>
+        <p:nvPr/>
+      </p:nvGrpSpPr>
+      <p:grpSpPr>
+        <a:xfrm>
+          <a:off x="0" y="0"/>
+          <a:ext cx="0" cy="0"/>
+          <a:chOff x="0" y="0"/>
+          <a:chExt cx="0" cy="0"/>
+        </a:xfrm>
+      </p:grpSpPr>
+      <p:sp>
+        <p:nvSpPr>
+          <p:cNvPr id="2" name="Titel 1"/>
+          <p:cNvSpPr>
+            <a:spLocks noGrp="1"/>
+          </p:cNvSpPr>
+          <p:nvPr>
+            <p:ph type="title"/>
+          </p:nvPr>
+        </p:nvSpPr>
+        <p:spPr/>
+        <p:txBody>
+          <a:bodyPr>
+            <a:normAutofit/>
+          </a:bodyPr>
+          <a:lstStyle/>
+          <a:p>
+            <a:r>
+              <a:rPr lang="de-DE" sz="3200" dirty="0" smtClean="0"/>
+              <a:t>Extrahieren der Variablen</a:t>
+            </a:r>
+            <a:endParaRPr lang="de-DE" sz="3200" dirty="0"/>
+          </a:p>
+        </p:txBody>
+      </p:sp>
+      <p:sp>
+        <p:nvSpPr>
+          <p:cNvPr id="3" name="Inhaltsplatzhalter 2"/>
+          <p:cNvSpPr>
+            <a:spLocks noGrp="1"/>
+          </p:cNvSpPr>
+          <p:nvPr>
+            <p:ph idx="1"/>
+          </p:nvPr>
+        </p:nvSpPr>
+        <p:spPr/>
+        <p:txBody>
+          <a:bodyPr/>
+          <a:lstStyle/>
+          <a:p>
+            <a:r>
+              <a:rPr lang="de-DE" dirty="0" smtClean="0"/>
+              <a:t>Exponent der aperiodischen Komponente und </a:t>
+            </a:r>
+            <a:r>
+              <a:rPr lang="de-DE" dirty="0" err="1" smtClean="0"/>
+              <a:t>root</a:t>
+            </a:r>
+            <a:r>
+              <a:rPr lang="de-DE" dirty="0"/>
+              <a:t> </a:t>
+            </a:r>
+            <a:r>
+              <a:rPr lang="de-DE" dirty="0" err="1" smtClean="0"/>
+              <a:t>mean</a:t>
+            </a:r>
+            <a:r>
+              <a:rPr lang="de-DE" dirty="0" smtClean="0"/>
+              <a:t> </a:t>
+            </a:r>
+            <a:r>
+              <a:rPr lang="de-DE" dirty="0" err="1" smtClean="0"/>
+              <a:t>square</a:t>
+            </a:r>
+            <a:r>
+              <a:rPr lang="de-DE" dirty="0" smtClean="0"/>
+              <a:t> Abspeichern  </a:t>
+            </a:r>
+          </a:p>
+          <a:p>
+            <a:r>
+              <a:rPr lang="de-DE" dirty="0"/>
+              <a:t>Aperiodische Komponente vom Power-Spektrum abziehen </a:t>
+            </a:r>
+            <a:endParaRPr lang="de-DE" dirty="0" smtClean="0"/>
+          </a:p>
+          <a:p>
+            <a:r>
+              <a:rPr lang="de-DE" dirty="0" smtClean="0"/>
+              <a:t>Mittelwert der Power zwischen </a:t>
+            </a:r>
+          </a:p>
+          <a:p>
+            <a:pPr lvl="1"/>
+            <a:r>
+              <a:rPr lang="de-DE" dirty="0" smtClean="0"/>
+              <a:t>5 bis 7 Hz für Theta</a:t>
+            </a:r>
+          </a:p>
+          <a:p>
+            <a:pPr lvl="1"/>
+            <a:r>
+              <a:rPr lang="de-DE" dirty="0" smtClean="0"/>
+              <a:t>7 bis 13 Hz für Alpha</a:t>
+            </a:r>
+          </a:p>
+          <a:p>
+            <a:pPr lvl="1"/>
+            <a:r>
+              <a:rPr lang="de-DE" dirty="0" smtClean="0"/>
+              <a:t>13 bis 35 Hz für Beta </a:t>
+            </a:r>
+          </a:p>
+          <a:p>
+            <a:r>
+              <a:rPr lang="de-DE" dirty="0" smtClean="0"/>
+              <a:t>Weitere Kanäle aussortieren </a:t>
+            </a:r>
+          </a:p>
+          <a:p>
+            <a:pPr lvl="1"/>
+            <a:r>
+              <a:rPr lang="de-DE" dirty="0" smtClean="0"/>
+              <a:t>Kanäle bei denen eine negative Power herausgekommen ist </a:t>
+            </a:r>
+            <a:r>
+              <a:rPr lang="de-DE" dirty="0"/>
+              <a:t>(</a:t>
+            </a:r>
+            <a:r>
+              <a:rPr lang="de-DE" dirty="0" smtClean="0"/>
+              <a:t>324)</a:t>
+            </a:r>
+          </a:p>
+          <a:p>
+            <a:pPr lvl="1"/>
+            <a:r>
+              <a:rPr lang="de-DE" dirty="0" smtClean="0"/>
+              <a:t>Kanäle bei der Tiefe 10.00 (23) </a:t>
+            </a:r>
+          </a:p>
+          <a:p>
+            <a:pPr lvl="1"/>
+            <a:r>
+              <a:rPr lang="de-DE" dirty="0" smtClean="0"/>
+              <a:t>Kanäle mit ungewöhnlich großem </a:t>
+            </a:r>
+            <a:r>
+              <a:rPr lang="de-DE" dirty="0" err="1" smtClean="0"/>
+              <a:t>root</a:t>
+            </a:r>
+            <a:r>
+              <a:rPr lang="de-DE" dirty="0" smtClean="0"/>
+              <a:t> </a:t>
+            </a:r>
+            <a:r>
+              <a:rPr lang="de-DE" dirty="0" err="1" smtClean="0"/>
+              <a:t>mean</a:t>
+            </a:r>
+            <a:r>
+              <a:rPr lang="de-DE" dirty="0" smtClean="0"/>
+              <a:t> </a:t>
+            </a:r>
+            <a:r>
+              <a:rPr lang="de-DE" dirty="0" err="1" smtClean="0"/>
+              <a:t>square</a:t>
+            </a:r>
+            <a:endParaRPr lang="de-DE" dirty="0" smtClean="0"/>
+          </a:p>
+          <a:p>
+            <a:pPr lvl="1"/>
+            <a:r>
+              <a:rPr lang="de-DE" dirty="0" smtClean="0"/>
+              <a:t>Insgesamt 1561 Kanäle übrig geblieben von ursprünglich 3971</a:t>
+            </a:r>
+            <a:endParaRPr lang="de-DE" dirty="0"/>
+          </a:p>
+        </p:txBody>
+      </p:sp>
+    </p:spTree>
+    <p:extLst>
+      <p:ext uri="{BB962C8B-B14F-4D97-AF65-F5344CB8AC3E}">
+        <p14:creationId xmlns:p14="http://schemas.microsoft.com/office/powerpoint/2010/main" val="96264443"/>
+      </p:ext>
+    </p:extLst>
+  </p:cSld>
+  <p:clrMapOvr>
+    <a:masterClrMapping/>
+  </p:clrMapOvr>
+</p:sld>
+</file>
+
+<file path=ppt/slides/slide16.xml><?xml version="1.0" encoding="utf-8"?>
+<p:sld xmlns:a="http://schemas.openxmlformats.org/drawingml/2006/main" xmlns:r="http://schemas.openxmlformats.org/officeDocument/2006/relationships" xmlns:p="http://schemas.openxmlformats.org/presentationml/2006/main">
+  <p:cSld>
+    <p:spTree>
+      <p:nvGrpSpPr>
+        <p:cNvPr id="1" name=""/>
+        <p:cNvGrpSpPr/>
+        <p:nvPr/>
+      </p:nvGrpSpPr>
+      <p:grpSpPr>
+        <a:xfrm>
+          <a:off x="0" y="0"/>
+          <a:ext cx="0" cy="0"/>
+          <a:chOff x="0" y="0"/>
+          <a:chExt cx="0" cy="0"/>
+        </a:xfrm>
+      </p:grpSpPr>
+      <p:sp>
+        <p:nvSpPr>
+          <p:cNvPr id="2" name="Titel 1"/>
+          <p:cNvSpPr>
+            <a:spLocks noGrp="1"/>
+          </p:cNvSpPr>
+          <p:nvPr>
+            <p:ph type="title"/>
+          </p:nvPr>
+        </p:nvSpPr>
+        <p:spPr/>
+        <p:txBody>
+          <a:bodyPr>
+            <a:normAutofit/>
+          </a:bodyPr>
+          <a:lstStyle/>
+          <a:p>
+            <a:r>
+              <a:rPr lang="de-DE" sz="2800" dirty="0" smtClean="0"/>
+              <a:t>Regressionstabelle</a:t>
+            </a:r>
+            <a:endParaRPr lang="de-DE" sz="2800" dirty="0"/>
+          </a:p>
+        </p:txBody>
+      </p:sp>
+      <p:sp>
+        <p:nvSpPr>
+          <p:cNvPr id="3" name="Inhaltsplatzhalter 2"/>
+          <p:cNvSpPr>
+            <a:spLocks noGrp="1"/>
+          </p:cNvSpPr>
+          <p:nvPr>
+            <p:ph idx="1"/>
+          </p:nvPr>
+        </p:nvSpPr>
+        <p:spPr/>
+        <p:txBody>
+          <a:bodyPr/>
+          <a:lstStyle/>
+          <a:p>
+            <a:endParaRPr lang="de-DE"/>
+          </a:p>
+        </p:txBody>
+      </p:sp>
+      <p:pic>
+        <p:nvPicPr>
+          <p:cNvPr id="5" name="Grafik 4"/>
+          <p:cNvPicPr>
+            <a:picLocks noChangeAspect="1"/>
+          </p:cNvPicPr>
+          <p:nvPr/>
+        </p:nvPicPr>
+        <p:blipFill>
+          <a:blip r:embed="rId2"/>
+          <a:stretch>
+            <a:fillRect/>
+          </a:stretch>
+        </p:blipFill>
+        <p:spPr>
+          <a:xfrm>
+            <a:off x="3696046" y="1338295"/>
+            <a:ext cx="7661644" cy="4172265"/>
+          </a:xfrm>
+          <a:prstGeom prst="rect">
+            <a:avLst/>
+          </a:prstGeom>
+        </p:spPr>
+      </p:pic>
+      <p:sp>
+        <p:nvSpPr>
+          <p:cNvPr id="4" name="Textfeld 3"/>
+          <p:cNvSpPr txBox="1"/>
+          <p:nvPr/>
+        </p:nvSpPr>
+        <p:spPr>
+          <a:xfrm>
+            <a:off x="3696046" y="5510560"/>
+            <a:ext cx="3231526" cy="276999"/>
+          </a:xfrm>
+          <a:prstGeom prst="rect">
+            <a:avLst/>
+          </a:prstGeom>
+          <a:noFill/>
+        </p:spPr>
+        <p:txBody>
+          <a:bodyPr wrap="none" rtlCol="0">
+            <a:spAutoFit/>
+          </a:bodyPr>
+          <a:lstStyle/>
+          <a:p>
+            <a:r>
+              <a:rPr lang="de-DE" sz="1200" i="1" dirty="0" smtClean="0"/>
+              <a:t>Abbildung </a:t>
+            </a:r>
+            <a:r>
+              <a:rPr lang="de-DE" sz="1200" i="1" dirty="0" smtClean="0"/>
+              <a:t>7</a:t>
+            </a:r>
+            <a:r>
+              <a:rPr lang="de-DE" sz="1200" dirty="0" smtClean="0"/>
+              <a:t>. </a:t>
+            </a:r>
+            <a:r>
+              <a:rPr lang="de-DE" sz="1200" dirty="0" smtClean="0"/>
+              <a:t>Darstellung der Regressionstabelle.</a:t>
+            </a:r>
+            <a:endParaRPr lang="de-DE" sz="1200" dirty="0"/>
+          </a:p>
+        </p:txBody>
+      </p:sp>
     </p:spTree>
     <p:extLst>
       <p:ext uri="{BB962C8B-B14F-4D97-AF65-F5344CB8AC3E}">
@@ -3608,7 +5022,7 @@
 </p:sld>
 </file>
 
-<file path=ppt/slides/slide11.xml><?xml version="1.0" encoding="utf-8"?>
+<file path=ppt/slides/slide17.xml><?xml version="1.0" encoding="utf-8"?>
 <p:sld xmlns:a="http://schemas.openxmlformats.org/drawingml/2006/main" xmlns:r="http://schemas.openxmlformats.org/officeDocument/2006/relationships" xmlns:p="http://schemas.openxmlformats.org/presentationml/2006/main">
   <p:cSld>
     <p:spTree>
@@ -3756,7 +5170,7 @@
 </p:sld>
 </file>
 
-<file path=ppt/slides/slide12.xml><?xml version="1.0" encoding="utf-8"?>
+<file path=ppt/slides/slide18.xml><?xml version="1.0" encoding="utf-8"?>
 <p:sld xmlns:a="http://schemas.openxmlformats.org/drawingml/2006/main" xmlns:r="http://schemas.openxmlformats.org/officeDocument/2006/relationships" xmlns:p="http://schemas.openxmlformats.org/presentationml/2006/main">
   <p:cSld>
     <p:spTree>
@@ -3785,119 +5199,149 @@
         </p:nvSpPr>
         <p:spPr/>
         <p:txBody>
+          <a:bodyPr>
+            <a:normAutofit/>
+          </a:bodyPr>
+          <a:lstStyle/>
+          <a:p>
+            <a:r>
+              <a:rPr lang="de-DE" sz="3200" dirty="0" smtClean="0"/>
+              <a:t>T-Tests für abhängige Stichproben</a:t>
+            </a:r>
+            <a:endParaRPr lang="de-DE" sz="3200" dirty="0"/>
+          </a:p>
+        </p:txBody>
+      </p:sp>
+      <p:sp>
+        <p:nvSpPr>
+          <p:cNvPr id="3" name="Inhaltsplatzhalter 2"/>
+          <p:cNvSpPr>
+            <a:spLocks noGrp="1"/>
+          </p:cNvSpPr>
+          <p:nvPr>
+            <p:ph idx="1"/>
+          </p:nvPr>
+        </p:nvSpPr>
+        <p:spPr/>
+        <p:txBody>
           <a:bodyPr/>
           <a:lstStyle/>
           <a:p>
             <a:r>
               <a:rPr lang="de-DE" dirty="0" smtClean="0"/>
-              <a:t>Visualisierung der Rohdaten</a:t>
-            </a:r>
+              <a:t>Gibt es für die Variablen signifikante Unterschiede zwischen der Tiefe 0 (Ziel) und der Tiefe 10 (größte Entfernung vom Ziel)</a:t>
+            </a:r>
+          </a:p>
+          <a:p>
+            <a:r>
+              <a:rPr lang="de-DE" dirty="0" smtClean="0"/>
+              <a:t>Annahme der Normalverteilung kann beibehalten werden (Shapiro-Wilk Tests)</a:t>
+            </a:r>
+          </a:p>
+          <a:p>
+            <a:r>
+              <a:rPr lang="de-DE" dirty="0" smtClean="0">
+                <a:solidFill>
+                  <a:srgbClr val="FF0000"/>
+                </a:solidFill>
+              </a:rPr>
+              <a:t>Nur </a:t>
+            </a:r>
+            <a:r>
+              <a:rPr lang="de-DE" dirty="0" err="1" smtClean="0">
+                <a:solidFill>
+                  <a:srgbClr val="FF0000"/>
+                </a:solidFill>
+              </a:rPr>
+              <a:t>root</a:t>
+            </a:r>
+            <a:r>
+              <a:rPr lang="de-DE" dirty="0" smtClean="0">
+                <a:solidFill>
+                  <a:srgbClr val="FF0000"/>
+                </a:solidFill>
+              </a:rPr>
+              <a:t> </a:t>
+            </a:r>
+            <a:r>
+              <a:rPr lang="de-DE" dirty="0" err="1" smtClean="0">
+                <a:solidFill>
+                  <a:srgbClr val="FF0000"/>
+                </a:solidFill>
+              </a:rPr>
+              <a:t>mean</a:t>
+            </a:r>
+            <a:r>
+              <a:rPr lang="de-DE" dirty="0" smtClean="0">
+                <a:solidFill>
+                  <a:srgbClr val="FF0000"/>
+                </a:solidFill>
+              </a:rPr>
+              <a:t> </a:t>
+            </a:r>
+            <a:r>
+              <a:rPr lang="de-DE" dirty="0" err="1" smtClean="0">
+                <a:solidFill>
+                  <a:srgbClr val="FF0000"/>
+                </a:solidFill>
+              </a:rPr>
+              <a:t>square</a:t>
+            </a:r>
+            <a:r>
+              <a:rPr lang="de-DE" dirty="0" smtClean="0">
+                <a:solidFill>
+                  <a:srgbClr val="FF0000"/>
+                </a:solidFill>
+              </a:rPr>
+              <a:t> ist signifikant </a:t>
+            </a:r>
+          </a:p>
+          <a:p>
+            <a:r>
+              <a:rPr lang="de-DE" dirty="0" smtClean="0"/>
+              <a:t>Deskriptiv: Beta und Theta sind in der Nähe von 0 um einiges KLEINER als bei 10 </a:t>
+            </a:r>
+          </a:p>
+          <a:p>
+            <a:pPr lvl="1"/>
+            <a:r>
+              <a:rPr lang="de-DE" dirty="0" smtClean="0"/>
+              <a:t>Bei zusätzlicher Differenzierung </a:t>
+            </a:r>
+            <a:r>
+              <a:rPr lang="de-DE" dirty="0" err="1" smtClean="0"/>
+              <a:t>zwisch</a:t>
+            </a:r>
+            <a:r>
+              <a:rPr lang="de-DE" dirty="0" smtClean="0"/>
+              <a:t> </a:t>
+            </a:r>
+            <a:r>
+              <a:rPr lang="de-DE" dirty="0" err="1" smtClean="0"/>
+              <a:t>low</a:t>
+            </a:r>
+            <a:r>
+              <a:rPr lang="de-DE" dirty="0" smtClean="0"/>
+              <a:t> Beta (13-20 Hz) und high Beta (20-35 Hz) ist ersichtlich, dass </a:t>
+            </a:r>
+            <a:r>
+              <a:rPr lang="de-DE" dirty="0" err="1" smtClean="0"/>
+              <a:t>low</a:t>
+            </a:r>
+            <a:r>
+              <a:rPr lang="de-DE" dirty="0" smtClean="0"/>
+              <a:t> Beta bei 0 deutlich kleiner ist als bei 10, während high Beta bei 0 größer ist als bei 10</a:t>
+            </a:r>
+          </a:p>
+          <a:p>
             <a:endParaRPr lang="de-DE" dirty="0"/>
           </a:p>
         </p:txBody>
       </p:sp>
-      <p:pic>
-        <p:nvPicPr>
-          <p:cNvPr id="5" name="Inhaltsplatzhalter 4"/>
-          <p:cNvPicPr>
-            <a:picLocks noGrp="1" noChangeAspect="1"/>
-          </p:cNvPicPr>
-          <p:nvPr>
-            <p:ph idx="1"/>
-          </p:nvPr>
-        </p:nvPicPr>
-        <p:blipFill>
-          <a:blip r:embed="rId2"/>
-          <a:stretch>
-            <a:fillRect/>
-          </a:stretch>
-        </p:blipFill>
-        <p:spPr>
-          <a:xfrm>
-            <a:off x="8144597" y="864108"/>
-            <a:ext cx="3644761" cy="2267281"/>
-          </a:xfrm>
-          <a:prstGeom prst="rect">
-            <a:avLst/>
-          </a:prstGeom>
-        </p:spPr>
-      </p:pic>
-      <p:pic>
-        <p:nvPicPr>
-          <p:cNvPr id="4" name="Grafik 3"/>
-          <p:cNvPicPr>
-            <a:picLocks noChangeAspect="1"/>
-          </p:cNvPicPr>
-          <p:nvPr/>
-        </p:nvPicPr>
-        <p:blipFill>
-          <a:blip r:embed="rId3"/>
-          <a:stretch>
-            <a:fillRect/>
-          </a:stretch>
-        </p:blipFill>
-        <p:spPr>
-          <a:xfrm>
-            <a:off x="3869269" y="864108"/>
-            <a:ext cx="3606460" cy="2267281"/>
-          </a:xfrm>
-          <a:prstGeom prst="rect">
-            <a:avLst/>
-          </a:prstGeom>
-        </p:spPr>
-      </p:pic>
-      <p:pic>
-        <p:nvPicPr>
-          <p:cNvPr id="6" name="Grafik 5"/>
-          <p:cNvPicPr>
-            <a:picLocks noChangeAspect="1"/>
-          </p:cNvPicPr>
-          <p:nvPr/>
-        </p:nvPicPr>
-        <p:blipFill>
-          <a:blip r:embed="rId4"/>
-          <a:stretch>
-            <a:fillRect/>
-          </a:stretch>
-        </p:blipFill>
-        <p:spPr>
-          <a:xfrm>
-            <a:off x="3869269" y="3460400"/>
-            <a:ext cx="3606460" cy="2264620"/>
-          </a:xfrm>
-          <a:prstGeom prst="rect">
-            <a:avLst/>
-          </a:prstGeom>
-        </p:spPr>
-      </p:pic>
-      <p:pic>
-        <p:nvPicPr>
-          <p:cNvPr id="7" name="Grafik 6"/>
-          <p:cNvPicPr>
-            <a:picLocks noChangeAspect="1"/>
-          </p:cNvPicPr>
-          <p:nvPr/>
-        </p:nvPicPr>
-        <p:blipFill>
-          <a:blip r:embed="rId5"/>
-          <a:stretch>
-            <a:fillRect/>
-          </a:stretch>
-        </p:blipFill>
-        <p:spPr>
-          <a:xfrm>
-            <a:off x="8144597" y="3460400"/>
-            <a:ext cx="3644761" cy="2279585"/>
-          </a:xfrm>
-          <a:prstGeom prst="rect">
-            <a:avLst/>
-          </a:prstGeom>
-        </p:spPr>
-      </p:pic>
     </p:spTree>
     <p:extLst>
       <p:ext uri="{BB962C8B-B14F-4D97-AF65-F5344CB8AC3E}">
-        <p14:creationId xmlns:p14="http://schemas.microsoft.com/office/powerpoint/2010/main" val="332458213"/>
+        <p14:creationId xmlns:p14="http://schemas.microsoft.com/office/powerpoint/2010/main" val="303234402"/>
       </p:ext>
     </p:extLst>
   </p:cSld>
@@ -3907,7 +5351,7 @@
 </p:sld>
 </file>
 
-<file path=ppt/slides/slide13.xml><?xml version="1.0" encoding="utf-8"?>
+<file path=ppt/slides/slide19.xml><?xml version="1.0" encoding="utf-8"?>
 <p:sld xmlns:a="http://schemas.openxmlformats.org/drawingml/2006/main" xmlns:r="http://schemas.openxmlformats.org/officeDocument/2006/relationships" xmlns:p="http://schemas.openxmlformats.org/presentationml/2006/main">
   <p:cSld>
     <p:spTree>
@@ -3942,122 +5386,130 @@
           <a:lstStyle/>
           <a:p>
             <a:r>
-              <a:rPr lang="de-DE" sz="2800" dirty="0" smtClean="0"/>
-              <a:t>Visualisierung</a:t>
-            </a:r>
-            <a:br>
-              <a:rPr lang="de-DE" sz="2800" dirty="0" smtClean="0"/>
-            </a:br>
-            <a:r>
-              <a:rPr lang="de-DE" sz="2800" dirty="0" smtClean="0"/>
-              <a:t>Z-Transformierter Daten</a:t>
+              <a:rPr lang="de-DE" dirty="0" smtClean="0"/>
+              <a:t>Korrelationen</a:t>
             </a:r>
             <a:endParaRPr lang="de-DE" sz="2800" dirty="0"/>
           </a:p>
         </p:txBody>
       </p:sp>
-      <p:pic>
-        <p:nvPicPr>
-          <p:cNvPr id="4" name="Inhaltsplatzhalter 3"/>
-          <p:cNvPicPr>
-            <a:picLocks noGrp="1" noChangeAspect="1"/>
-          </p:cNvPicPr>
+      <p:sp>
+        <p:nvSpPr>
+          <p:cNvPr id="3" name="Inhaltsplatzhalter 2"/>
+          <p:cNvSpPr>
+            <a:spLocks noGrp="1"/>
+          </p:cNvSpPr>
           <p:nvPr>
             <p:ph idx="1"/>
           </p:nvPr>
-        </p:nvPicPr>
-        <p:blipFill>
-          <a:blip r:embed="rId2"/>
-          <a:stretch>
-            <a:fillRect/>
-          </a:stretch>
-        </p:blipFill>
-        <p:spPr>
-          <a:xfrm>
-            <a:off x="4015387" y="1123837"/>
-            <a:ext cx="3282560" cy="2070955"/>
-          </a:xfrm>
-          <a:prstGeom prst="rect">
-            <a:avLst/>
-          </a:prstGeom>
-        </p:spPr>
-      </p:pic>
-      <p:pic>
-        <p:nvPicPr>
-          <p:cNvPr id="5" name="Grafik 4"/>
-          <p:cNvPicPr>
-            <a:picLocks noChangeAspect="1"/>
-          </p:cNvPicPr>
-          <p:nvPr/>
-        </p:nvPicPr>
-        <p:blipFill>
-          <a:blip r:embed="rId3"/>
-          <a:stretch>
-            <a:fillRect/>
-          </a:stretch>
-        </p:blipFill>
-        <p:spPr>
-          <a:xfrm>
-            <a:off x="8112933" y="1123837"/>
-            <a:ext cx="3320535" cy="2070955"/>
-          </a:xfrm>
-          <a:prstGeom prst="rect">
-            <a:avLst/>
-          </a:prstGeom>
-        </p:spPr>
-      </p:pic>
-      <p:pic>
-        <p:nvPicPr>
-          <p:cNvPr id="6" name="Grafik 5"/>
-          <p:cNvPicPr>
-            <a:picLocks noChangeAspect="1"/>
-          </p:cNvPicPr>
-          <p:nvPr/>
-        </p:nvPicPr>
-        <p:blipFill>
-          <a:blip r:embed="rId4"/>
-          <a:stretch>
-            <a:fillRect/>
-          </a:stretch>
-        </p:blipFill>
-        <p:spPr>
-          <a:xfrm>
-            <a:off x="4015387" y="3668616"/>
-            <a:ext cx="3282560" cy="2056404"/>
-          </a:xfrm>
-          <a:prstGeom prst="rect">
-            <a:avLst/>
-          </a:prstGeom>
-        </p:spPr>
-      </p:pic>
-      <p:pic>
-        <p:nvPicPr>
-          <p:cNvPr id="7" name="Grafik 6"/>
-          <p:cNvPicPr>
-            <a:picLocks noChangeAspect="1"/>
-          </p:cNvPicPr>
-          <p:nvPr/>
-        </p:nvPicPr>
-        <p:blipFill>
-          <a:blip r:embed="rId5"/>
-          <a:stretch>
-            <a:fillRect/>
-          </a:stretch>
-        </p:blipFill>
-        <p:spPr>
-          <a:xfrm>
-            <a:off x="8112933" y="3668616"/>
-            <a:ext cx="3281743" cy="2056404"/>
-          </a:xfrm>
-          <a:prstGeom prst="rect">
-            <a:avLst/>
-          </a:prstGeom>
-        </p:spPr>
-      </p:pic>
+        </p:nvSpPr>
+        <p:spPr/>
+        <p:txBody>
+          <a:bodyPr/>
+          <a:lstStyle/>
+          <a:p>
+            <a:r>
+              <a:rPr lang="de-DE" dirty="0" smtClean="0"/>
+              <a:t>Tiefe, aber auch absolute Entfernung zum Ziel punkt in eine Korrelationstabelle mit dem aperiodischen Exponenten, </a:t>
+            </a:r>
+            <a:r>
+              <a:rPr lang="de-DE" dirty="0" err="1" smtClean="0"/>
+              <a:t>theta</a:t>
+            </a:r>
+            <a:r>
+              <a:rPr lang="de-DE" dirty="0" smtClean="0"/>
+              <a:t>, </a:t>
+            </a:r>
+            <a:r>
+              <a:rPr lang="de-DE" dirty="0" err="1" smtClean="0"/>
+              <a:t>alpha</a:t>
+            </a:r>
+            <a:r>
+              <a:rPr lang="de-DE" dirty="0" smtClean="0"/>
+              <a:t>, </a:t>
+            </a:r>
+            <a:r>
+              <a:rPr lang="de-DE" dirty="0" err="1" smtClean="0"/>
+              <a:t>beta</a:t>
+            </a:r>
+            <a:r>
+              <a:rPr lang="de-DE" dirty="0"/>
+              <a:t> </a:t>
+            </a:r>
+            <a:r>
+              <a:rPr lang="de-DE" dirty="0" smtClean="0"/>
+              <a:t>und </a:t>
+            </a:r>
+            <a:r>
+              <a:rPr lang="de-DE" dirty="0" err="1" smtClean="0"/>
+              <a:t>root</a:t>
+            </a:r>
+            <a:r>
+              <a:rPr lang="de-DE" dirty="0" smtClean="0"/>
+              <a:t> </a:t>
+            </a:r>
+            <a:r>
+              <a:rPr lang="de-DE" dirty="0" err="1" smtClean="0"/>
+              <a:t>mean</a:t>
+            </a:r>
+            <a:r>
+              <a:rPr lang="de-DE" dirty="0" smtClean="0"/>
+              <a:t> </a:t>
+            </a:r>
+            <a:r>
+              <a:rPr lang="de-DE" dirty="0" err="1" smtClean="0"/>
+              <a:t>square</a:t>
+            </a:r>
+            <a:endParaRPr lang="de-DE" dirty="0" smtClean="0"/>
+          </a:p>
+          <a:p>
+            <a:r>
+              <a:rPr lang="de-DE" dirty="0" smtClean="0"/>
+              <a:t>Einzige Korrelationen größer als 0.1:</a:t>
+            </a:r>
+          </a:p>
+          <a:p>
+            <a:pPr lvl="1"/>
+            <a:r>
+              <a:rPr lang="de-DE" dirty="0" err="1"/>
+              <a:t>root</a:t>
+            </a:r>
+            <a:r>
+              <a:rPr lang="de-DE" dirty="0"/>
+              <a:t> </a:t>
+            </a:r>
+            <a:r>
+              <a:rPr lang="de-DE" dirty="0" err="1"/>
+              <a:t>mean</a:t>
+            </a:r>
+            <a:r>
+              <a:rPr lang="de-DE" dirty="0"/>
+              <a:t> </a:t>
+            </a:r>
+            <a:r>
+              <a:rPr lang="de-DE" dirty="0" err="1" smtClean="0"/>
+              <a:t>square</a:t>
+            </a:r>
+            <a:r>
+              <a:rPr lang="de-DE" dirty="0" smtClean="0"/>
+              <a:t> mit Tiefe und Distanz </a:t>
+            </a:r>
+            <a:endParaRPr lang="de-DE" dirty="0"/>
+          </a:p>
+          <a:p>
+            <a:pPr lvl="1"/>
+            <a:r>
+              <a:rPr lang="de-DE" dirty="0" smtClean="0"/>
+              <a:t>Aperiodischer Exponent mit Tiefe</a:t>
+            </a:r>
+            <a:endParaRPr lang="de-DE" dirty="0"/>
+          </a:p>
+        </p:txBody>
+      </p:sp>
     </p:spTree>
     <p:extLst>
       <p:ext uri="{BB962C8B-B14F-4D97-AF65-F5344CB8AC3E}">
-        <p14:creationId xmlns:p14="http://schemas.microsoft.com/office/powerpoint/2010/main" val="3214831188"/>
+        <p14:creationId xmlns:p14="http://schemas.microsoft.com/office/powerpoint/2010/main" val="1040518660"/>
       </p:ext>
     </p:extLst>
   </p:cSld>
@@ -4067,7 +5519,7 @@
 </p:sld>
 </file>
 
-<file path=ppt/slides/slide14.xml><?xml version="1.0" encoding="utf-8"?>
+<file path=ppt/slides/slide2.xml><?xml version="1.0" encoding="utf-8"?>
 <p:sld xmlns:a="http://schemas.openxmlformats.org/drawingml/2006/main" xmlns:r="http://schemas.openxmlformats.org/officeDocument/2006/relationships" xmlns:p="http://schemas.openxmlformats.org/presentationml/2006/main">
   <p:cSld>
     <p:spTree>
@@ -4091,6 +5543,1109 @@
             <a:spLocks noGrp="1"/>
           </p:cNvSpPr>
           <p:nvPr>
+            <p:ph type="ctrTitle"/>
+          </p:nvPr>
+        </p:nvSpPr>
+        <p:spPr/>
+        <p:txBody>
+          <a:bodyPr>
+            <a:noAutofit/>
+          </a:bodyPr>
+          <a:lstStyle/>
+          <a:p>
+            <a:r>
+              <a:rPr lang="de-DE" sz="4400" dirty="0" smtClean="0"/>
+              <a:t>Theoretischer Hintergrund</a:t>
+            </a:r>
+            <a:endParaRPr lang="de-DE" sz="4400" dirty="0"/>
+          </a:p>
+        </p:txBody>
+      </p:sp>
+      <p:sp>
+        <p:nvSpPr>
+          <p:cNvPr id="3" name="Untertitel 2"/>
+          <p:cNvSpPr>
+            <a:spLocks noGrp="1"/>
+          </p:cNvSpPr>
+          <p:nvPr>
+            <p:ph type="subTitle" idx="1"/>
+          </p:nvPr>
+        </p:nvSpPr>
+        <p:spPr/>
+        <p:txBody>
+          <a:bodyPr/>
+          <a:lstStyle/>
+          <a:p>
+            <a:r>
+              <a:rPr lang="de-DE" dirty="0" smtClean="0"/>
+              <a:t>Christian Neumann – stu203277@mail.uni-kiel.de</a:t>
+            </a:r>
+          </a:p>
+          <a:p>
+            <a:r>
+              <a:rPr lang="de-DE" dirty="0" err="1" smtClean="0"/>
+              <a:t>Sörensenstraße</a:t>
+            </a:r>
+            <a:r>
+              <a:rPr lang="de-DE" dirty="0" smtClean="0"/>
+              <a:t> 26, 24143 Kiel </a:t>
+            </a:r>
+            <a:endParaRPr lang="de-DE" dirty="0"/>
+          </a:p>
+        </p:txBody>
+      </p:sp>
+      <p:pic>
+        <p:nvPicPr>
+          <p:cNvPr id="4" name="Grafik 3"/>
+          <p:cNvPicPr>
+            <a:picLocks noChangeAspect="1"/>
+          </p:cNvPicPr>
+          <p:nvPr/>
+        </p:nvPicPr>
+        <p:blipFill>
+          <a:blip r:embed="rId2">
+            <a:extLst>
+              <a:ext uri="{28A0092B-C50C-407E-A947-70E740481C1C}">
+                <a14:useLocalDpi xmlns:a14="http://schemas.microsoft.com/office/drawing/2010/main" val="0"/>
+              </a:ext>
+            </a:extLst>
+          </a:blip>
+          <a:stretch>
+            <a:fillRect/>
+          </a:stretch>
+        </p:blipFill>
+        <p:spPr>
+          <a:xfrm>
+            <a:off x="9279004" y="763610"/>
+            <a:ext cx="2912996" cy="1444752"/>
+          </a:xfrm>
+          <a:prstGeom prst="rect">
+            <a:avLst/>
+          </a:prstGeom>
+        </p:spPr>
+      </p:pic>
+      <p:pic>
+        <p:nvPicPr>
+          <p:cNvPr id="5" name="Grafik 4"/>
+          <p:cNvPicPr>
+            <a:picLocks noChangeAspect="1"/>
+          </p:cNvPicPr>
+          <p:nvPr/>
+        </p:nvPicPr>
+        <p:blipFill>
+          <a:blip r:embed="rId3">
+            <a:extLst>
+              <a:ext uri="{28A0092B-C50C-407E-A947-70E740481C1C}">
+                <a14:useLocalDpi xmlns:a14="http://schemas.microsoft.com/office/drawing/2010/main" val="0"/>
+              </a:ext>
+            </a:extLst>
+          </a:blip>
+          <a:stretch>
+            <a:fillRect/>
+          </a:stretch>
+        </p:blipFill>
+        <p:spPr>
+          <a:xfrm>
+            <a:off x="9279004" y="2208362"/>
+            <a:ext cx="2912996" cy="728249"/>
+          </a:xfrm>
+          <a:prstGeom prst="rect">
+            <a:avLst/>
+          </a:prstGeom>
+        </p:spPr>
+      </p:pic>
+    </p:spTree>
+    <p:extLst>
+      <p:ext uri="{BB962C8B-B14F-4D97-AF65-F5344CB8AC3E}">
+        <p14:creationId xmlns:p14="http://schemas.microsoft.com/office/powerpoint/2010/main" val="1152450713"/>
+      </p:ext>
+    </p:extLst>
+  </p:cSld>
+  <p:clrMapOvr>
+    <a:masterClrMapping/>
+  </p:clrMapOvr>
+</p:sld>
+</file>
+
+<file path=ppt/slides/slide20.xml><?xml version="1.0" encoding="utf-8"?>
+<p:sld xmlns:a="http://schemas.openxmlformats.org/drawingml/2006/main" xmlns:r="http://schemas.openxmlformats.org/officeDocument/2006/relationships" xmlns:p="http://schemas.openxmlformats.org/presentationml/2006/main">
+  <p:cSld>
+    <p:spTree>
+      <p:nvGrpSpPr>
+        <p:cNvPr id="1" name=""/>
+        <p:cNvGrpSpPr/>
+        <p:nvPr/>
+      </p:nvGrpSpPr>
+      <p:grpSpPr>
+        <a:xfrm>
+          <a:off x="0" y="0"/>
+          <a:ext cx="0" cy="0"/>
+          <a:chOff x="0" y="0"/>
+          <a:chExt cx="0" cy="0"/>
+        </a:xfrm>
+      </p:grpSpPr>
+      <p:sp>
+        <p:nvSpPr>
+          <p:cNvPr id="2" name="Titel 1"/>
+          <p:cNvSpPr>
+            <a:spLocks noGrp="1"/>
+          </p:cNvSpPr>
+          <p:nvPr>
+            <p:ph type="title"/>
+          </p:nvPr>
+        </p:nvSpPr>
+        <p:spPr/>
+        <p:txBody>
+          <a:bodyPr/>
+          <a:lstStyle/>
+          <a:p>
+            <a:r>
+              <a:rPr lang="de-DE" dirty="0" smtClean="0"/>
+              <a:t>Punktwolken</a:t>
+            </a:r>
+            <a:endParaRPr lang="de-DE" dirty="0"/>
+          </a:p>
+        </p:txBody>
+      </p:sp>
+      <p:pic>
+        <p:nvPicPr>
+          <p:cNvPr id="6" name="Inhaltsplatzhalter 5"/>
+          <p:cNvPicPr>
+            <a:picLocks noGrp="1" noChangeAspect="1"/>
+          </p:cNvPicPr>
+          <p:nvPr>
+            <p:ph idx="1"/>
+          </p:nvPr>
+        </p:nvPicPr>
+        <p:blipFill>
+          <a:blip r:embed="rId2">
+            <a:extLst>
+              <a:ext uri="{28A0092B-C50C-407E-A947-70E740481C1C}">
+                <a14:useLocalDpi xmlns:a14="http://schemas.microsoft.com/office/drawing/2010/main" val="0"/>
+              </a:ext>
+            </a:extLst>
+          </a:blip>
+          <a:stretch>
+            <a:fillRect/>
+          </a:stretch>
+        </p:blipFill>
+        <p:spPr>
+          <a:xfrm>
+            <a:off x="3868738" y="1149906"/>
+            <a:ext cx="7315200" cy="4548663"/>
+          </a:xfrm>
+        </p:spPr>
+      </p:pic>
+      <p:sp>
+        <p:nvSpPr>
+          <p:cNvPr id="7" name="Textfeld 6"/>
+          <p:cNvSpPr txBox="1"/>
+          <p:nvPr/>
+        </p:nvSpPr>
+        <p:spPr>
+          <a:xfrm>
+            <a:off x="3868737" y="5698569"/>
+            <a:ext cx="7621647" cy="461665"/>
+          </a:xfrm>
+          <a:prstGeom prst="rect">
+            <a:avLst/>
+          </a:prstGeom>
+          <a:noFill/>
+        </p:spPr>
+        <p:txBody>
+          <a:bodyPr wrap="square" rtlCol="0">
+            <a:spAutoFit/>
+          </a:bodyPr>
+          <a:lstStyle/>
+          <a:p>
+            <a:r>
+              <a:rPr lang="de-DE" sz="1200" i="1" dirty="0" smtClean="0"/>
+              <a:t>Abbildung </a:t>
+            </a:r>
+            <a:r>
+              <a:rPr lang="de-DE" sz="1200" i="1" dirty="0" smtClean="0"/>
+              <a:t>8</a:t>
+            </a:r>
+            <a:r>
+              <a:rPr lang="de-DE" sz="1200" dirty="0" smtClean="0"/>
+              <a:t>. </a:t>
+            </a:r>
+            <a:r>
+              <a:rPr lang="de-DE" sz="1200" dirty="0" smtClean="0"/>
+              <a:t>Punktwolke für die Entfernung zum Zielpunkt (in mm) und dem dazugehörigen </a:t>
+            </a:r>
+            <a:r>
+              <a:rPr lang="de-DE" sz="1200" dirty="0" err="1" smtClean="0"/>
+              <a:t>root</a:t>
+            </a:r>
+            <a:r>
+              <a:rPr lang="de-DE" sz="1200" dirty="0" smtClean="0"/>
+              <a:t> </a:t>
+            </a:r>
+            <a:r>
+              <a:rPr lang="de-DE" sz="1200" dirty="0" err="1" smtClean="0"/>
+              <a:t>mean</a:t>
+            </a:r>
+            <a:r>
+              <a:rPr lang="de-DE" sz="1200" dirty="0" smtClean="0"/>
+              <a:t> </a:t>
+            </a:r>
+            <a:r>
+              <a:rPr lang="de-DE" sz="1200" dirty="0" err="1" smtClean="0"/>
+              <a:t>square</a:t>
+            </a:r>
+            <a:r>
+              <a:rPr lang="de-DE" sz="1200" dirty="0" smtClean="0"/>
+              <a:t> (in µV) aller Kanäle.</a:t>
+            </a:r>
+            <a:endParaRPr lang="de-DE" sz="1200" dirty="0"/>
+          </a:p>
+        </p:txBody>
+      </p:sp>
+    </p:spTree>
+    <p:extLst>
+      <p:ext uri="{BB962C8B-B14F-4D97-AF65-F5344CB8AC3E}">
+        <p14:creationId xmlns:p14="http://schemas.microsoft.com/office/powerpoint/2010/main" val="4117922899"/>
+      </p:ext>
+    </p:extLst>
+  </p:cSld>
+  <p:clrMapOvr>
+    <a:masterClrMapping/>
+  </p:clrMapOvr>
+</p:sld>
+</file>
+
+<file path=ppt/slides/slide21.xml><?xml version="1.0" encoding="utf-8"?>
+<p:sld xmlns:a="http://schemas.openxmlformats.org/drawingml/2006/main" xmlns:r="http://schemas.openxmlformats.org/officeDocument/2006/relationships" xmlns:p="http://schemas.openxmlformats.org/presentationml/2006/main">
+  <p:cSld>
+    <p:spTree>
+      <p:nvGrpSpPr>
+        <p:cNvPr id="1" name=""/>
+        <p:cNvGrpSpPr/>
+        <p:nvPr/>
+      </p:nvGrpSpPr>
+      <p:grpSpPr>
+        <a:xfrm>
+          <a:off x="0" y="0"/>
+          <a:ext cx="0" cy="0"/>
+          <a:chOff x="0" y="0"/>
+          <a:chExt cx="0" cy="0"/>
+        </a:xfrm>
+      </p:grpSpPr>
+      <p:sp>
+        <p:nvSpPr>
+          <p:cNvPr id="2" name="Titel 1"/>
+          <p:cNvSpPr>
+            <a:spLocks noGrp="1"/>
+          </p:cNvSpPr>
+          <p:nvPr>
+            <p:ph type="title"/>
+          </p:nvPr>
+        </p:nvSpPr>
+        <p:spPr/>
+        <p:txBody>
+          <a:bodyPr/>
+          <a:lstStyle/>
+          <a:p>
+            <a:r>
+              <a:rPr lang="de-DE" dirty="0" smtClean="0"/>
+              <a:t>Punktwolken</a:t>
+            </a:r>
+            <a:endParaRPr lang="de-DE" dirty="0"/>
+          </a:p>
+        </p:txBody>
+      </p:sp>
+      <p:pic>
+        <p:nvPicPr>
+          <p:cNvPr id="4" name="Inhaltsplatzhalter 3"/>
+          <p:cNvPicPr>
+            <a:picLocks noGrp="1" noChangeAspect="1"/>
+          </p:cNvPicPr>
+          <p:nvPr>
+            <p:ph idx="1"/>
+          </p:nvPr>
+        </p:nvPicPr>
+        <p:blipFill>
+          <a:blip r:embed="rId2">
+            <a:extLst>
+              <a:ext uri="{28A0092B-C50C-407E-A947-70E740481C1C}">
+                <a14:useLocalDpi xmlns:a14="http://schemas.microsoft.com/office/drawing/2010/main" val="0"/>
+              </a:ext>
+            </a:extLst>
+          </a:blip>
+          <a:stretch>
+            <a:fillRect/>
+          </a:stretch>
+        </p:blipFill>
+        <p:spPr>
+          <a:xfrm>
+            <a:off x="3868738" y="1149906"/>
+            <a:ext cx="7315200" cy="4548663"/>
+          </a:xfrm>
+        </p:spPr>
+      </p:pic>
+      <p:sp>
+        <p:nvSpPr>
+          <p:cNvPr id="5" name="Textfeld 4"/>
+          <p:cNvSpPr txBox="1"/>
+          <p:nvPr/>
+        </p:nvSpPr>
+        <p:spPr>
+          <a:xfrm>
+            <a:off x="3868738" y="5698569"/>
+            <a:ext cx="7906319" cy="276999"/>
+          </a:xfrm>
+          <a:prstGeom prst="rect">
+            <a:avLst/>
+          </a:prstGeom>
+          <a:noFill/>
+        </p:spPr>
+        <p:txBody>
+          <a:bodyPr wrap="square" rtlCol="0">
+            <a:spAutoFit/>
+          </a:bodyPr>
+          <a:lstStyle/>
+          <a:p>
+            <a:r>
+              <a:rPr lang="de-DE" sz="1200" i="1" dirty="0" smtClean="0"/>
+              <a:t>Abbildung </a:t>
+            </a:r>
+            <a:r>
+              <a:rPr lang="de-DE" sz="1200" i="1" dirty="0" smtClean="0"/>
+              <a:t>9</a:t>
+            </a:r>
+            <a:r>
+              <a:rPr lang="de-DE" sz="1200" dirty="0" smtClean="0"/>
+              <a:t>. </a:t>
+            </a:r>
+            <a:r>
+              <a:rPr lang="de-DE" sz="1200" dirty="0" smtClean="0"/>
+              <a:t>Punktwolke für die Tiefe der Elektrode (in mm) und dem dazugehörigen </a:t>
+            </a:r>
+            <a:r>
+              <a:rPr lang="de-DE" sz="1200" dirty="0" err="1" smtClean="0"/>
+              <a:t>root</a:t>
+            </a:r>
+            <a:r>
+              <a:rPr lang="de-DE" sz="1200" dirty="0" smtClean="0"/>
+              <a:t> </a:t>
+            </a:r>
+            <a:r>
+              <a:rPr lang="de-DE" sz="1200" dirty="0" err="1" smtClean="0"/>
+              <a:t>mean</a:t>
+            </a:r>
+            <a:r>
+              <a:rPr lang="de-DE" sz="1200" dirty="0" smtClean="0"/>
+              <a:t> </a:t>
+            </a:r>
+            <a:r>
+              <a:rPr lang="de-DE" sz="1200" dirty="0" err="1" smtClean="0"/>
+              <a:t>square</a:t>
+            </a:r>
+            <a:r>
+              <a:rPr lang="de-DE" sz="1200" dirty="0" smtClean="0"/>
+              <a:t> (in µV) aller Kanäle.</a:t>
+            </a:r>
+            <a:endParaRPr lang="de-DE" sz="1200" dirty="0"/>
+          </a:p>
+        </p:txBody>
+      </p:sp>
+    </p:spTree>
+    <p:extLst>
+      <p:ext uri="{BB962C8B-B14F-4D97-AF65-F5344CB8AC3E}">
+        <p14:creationId xmlns:p14="http://schemas.microsoft.com/office/powerpoint/2010/main" val="895378011"/>
+      </p:ext>
+    </p:extLst>
+  </p:cSld>
+  <p:clrMapOvr>
+    <a:masterClrMapping/>
+  </p:clrMapOvr>
+</p:sld>
+</file>
+
+<file path=ppt/slides/slide22.xml><?xml version="1.0" encoding="utf-8"?>
+<p:sld xmlns:a="http://schemas.openxmlformats.org/drawingml/2006/main" xmlns:r="http://schemas.openxmlformats.org/officeDocument/2006/relationships" xmlns:p="http://schemas.openxmlformats.org/presentationml/2006/main">
+  <p:cSld>
+    <p:spTree>
+      <p:nvGrpSpPr>
+        <p:cNvPr id="1" name=""/>
+        <p:cNvGrpSpPr/>
+        <p:nvPr/>
+      </p:nvGrpSpPr>
+      <p:grpSpPr>
+        <a:xfrm>
+          <a:off x="0" y="0"/>
+          <a:ext cx="0" cy="0"/>
+          <a:chOff x="0" y="0"/>
+          <a:chExt cx="0" cy="0"/>
+        </a:xfrm>
+      </p:grpSpPr>
+      <p:sp>
+        <p:nvSpPr>
+          <p:cNvPr id="2" name="Titel 1"/>
+          <p:cNvSpPr>
+            <a:spLocks noGrp="1"/>
+          </p:cNvSpPr>
+          <p:nvPr>
+            <p:ph type="title"/>
+          </p:nvPr>
+        </p:nvSpPr>
+        <p:spPr/>
+        <p:txBody>
+          <a:bodyPr/>
+          <a:lstStyle/>
+          <a:p>
+            <a:r>
+              <a:rPr lang="de-DE" dirty="0" smtClean="0"/>
+              <a:t>Punktwolken</a:t>
+            </a:r>
+            <a:endParaRPr lang="de-DE" dirty="0"/>
+          </a:p>
+        </p:txBody>
+      </p:sp>
+      <p:pic>
+        <p:nvPicPr>
+          <p:cNvPr id="4" name="Inhaltsplatzhalter 3"/>
+          <p:cNvPicPr>
+            <a:picLocks noGrp="1" noChangeAspect="1"/>
+          </p:cNvPicPr>
+          <p:nvPr>
+            <p:ph idx="1"/>
+          </p:nvPr>
+        </p:nvPicPr>
+        <p:blipFill>
+          <a:blip r:embed="rId2">
+            <a:extLst>
+              <a:ext uri="{28A0092B-C50C-407E-A947-70E740481C1C}">
+                <a14:useLocalDpi xmlns:a14="http://schemas.microsoft.com/office/drawing/2010/main" val="0"/>
+              </a:ext>
+            </a:extLst>
+          </a:blip>
+          <a:stretch>
+            <a:fillRect/>
+          </a:stretch>
+        </p:blipFill>
+        <p:spPr>
+          <a:xfrm>
+            <a:off x="3868738" y="1149906"/>
+            <a:ext cx="7315200" cy="4548663"/>
+          </a:xfrm>
+        </p:spPr>
+      </p:pic>
+      <p:sp>
+        <p:nvSpPr>
+          <p:cNvPr id="5" name="Textfeld 4"/>
+          <p:cNvSpPr txBox="1"/>
+          <p:nvPr/>
+        </p:nvSpPr>
+        <p:spPr>
+          <a:xfrm>
+            <a:off x="3868738" y="5698569"/>
+            <a:ext cx="7906319" cy="461665"/>
+          </a:xfrm>
+          <a:prstGeom prst="rect">
+            <a:avLst/>
+          </a:prstGeom>
+          <a:noFill/>
+        </p:spPr>
+        <p:txBody>
+          <a:bodyPr wrap="square" rtlCol="0">
+            <a:spAutoFit/>
+          </a:bodyPr>
+          <a:lstStyle/>
+          <a:p>
+            <a:r>
+              <a:rPr lang="de-DE" sz="1200" i="1" dirty="0" smtClean="0"/>
+              <a:t>Abbildung </a:t>
+            </a:r>
+            <a:r>
+              <a:rPr lang="de-DE" sz="1200" i="1" dirty="0" smtClean="0"/>
+              <a:t>10</a:t>
+            </a:r>
+            <a:r>
+              <a:rPr lang="de-DE" sz="1200" dirty="0" smtClean="0"/>
+              <a:t>. </a:t>
+            </a:r>
+            <a:r>
+              <a:rPr lang="de-DE" sz="1200" dirty="0" smtClean="0"/>
+              <a:t>Punktwolke für die Tiefe der Elektrode (in mm) und dem dazugehörigen Exponenten der aperiodischen Komponente aller Kanäle.</a:t>
+            </a:r>
+            <a:endParaRPr lang="de-DE" sz="1200" dirty="0"/>
+          </a:p>
+        </p:txBody>
+      </p:sp>
+    </p:spTree>
+    <p:extLst>
+      <p:ext uri="{BB962C8B-B14F-4D97-AF65-F5344CB8AC3E}">
+        <p14:creationId xmlns:p14="http://schemas.microsoft.com/office/powerpoint/2010/main" val="2596694645"/>
+      </p:ext>
+    </p:extLst>
+  </p:cSld>
+  <p:clrMapOvr>
+    <a:masterClrMapping/>
+  </p:clrMapOvr>
+</p:sld>
+</file>
+
+<file path=ppt/slides/slide23.xml><?xml version="1.0" encoding="utf-8"?>
+<p:sld xmlns:a="http://schemas.openxmlformats.org/drawingml/2006/main" xmlns:r="http://schemas.openxmlformats.org/officeDocument/2006/relationships" xmlns:p="http://schemas.openxmlformats.org/presentationml/2006/main">
+  <p:cSld>
+    <p:spTree>
+      <p:nvGrpSpPr>
+        <p:cNvPr id="1" name=""/>
+        <p:cNvGrpSpPr/>
+        <p:nvPr/>
+      </p:nvGrpSpPr>
+      <p:grpSpPr>
+        <a:xfrm>
+          <a:off x="0" y="0"/>
+          <a:ext cx="0" cy="0"/>
+          <a:chOff x="0" y="0"/>
+          <a:chExt cx="0" cy="0"/>
+        </a:xfrm>
+      </p:grpSpPr>
+      <p:sp>
+        <p:nvSpPr>
+          <p:cNvPr id="2" name="Titel 1"/>
+          <p:cNvSpPr>
+            <a:spLocks noGrp="1"/>
+          </p:cNvSpPr>
+          <p:nvPr>
+            <p:ph type="title"/>
+          </p:nvPr>
+        </p:nvSpPr>
+        <p:spPr/>
+        <p:txBody>
+          <a:bodyPr/>
+          <a:lstStyle/>
+          <a:p>
+            <a:r>
+              <a:rPr lang="de-DE" dirty="0" smtClean="0"/>
+              <a:t>Quellen</a:t>
+            </a:r>
+            <a:endParaRPr lang="de-DE" dirty="0"/>
+          </a:p>
+        </p:txBody>
+      </p:sp>
+      <p:sp>
+        <p:nvSpPr>
+          <p:cNvPr id="3" name="Inhaltsplatzhalter 2"/>
+          <p:cNvSpPr>
+            <a:spLocks noGrp="1"/>
+          </p:cNvSpPr>
+          <p:nvPr>
+            <p:ph idx="1"/>
+          </p:nvPr>
+        </p:nvSpPr>
+        <p:spPr/>
+        <p:txBody>
+          <a:bodyPr/>
+          <a:lstStyle/>
+          <a:p>
+            <a:pPr marL="0" indent="0">
+              <a:buNone/>
+            </a:pPr>
+            <a:r>
+              <a:rPr lang="de-DE" dirty="0"/>
+              <a:t>Jankovic, J. (2008). </a:t>
+            </a:r>
+            <a:r>
+              <a:rPr lang="de-DE" dirty="0" err="1"/>
+              <a:t>Parkinson’s</a:t>
+            </a:r>
+            <a:r>
+              <a:rPr lang="de-DE" dirty="0"/>
+              <a:t> </a:t>
+            </a:r>
+            <a:r>
+              <a:rPr lang="de-DE" dirty="0" err="1"/>
+              <a:t>disease</a:t>
+            </a:r>
+            <a:r>
+              <a:rPr lang="de-DE" dirty="0"/>
+              <a:t>: </a:t>
+            </a:r>
+            <a:r>
+              <a:rPr lang="de-DE" dirty="0" err="1"/>
+              <a:t>clinical</a:t>
+            </a:r>
+            <a:r>
+              <a:rPr lang="de-DE" dirty="0"/>
+              <a:t> </a:t>
+            </a:r>
+            <a:r>
+              <a:rPr lang="de-DE" dirty="0" err="1"/>
+              <a:t>features</a:t>
+            </a:r>
+            <a:r>
+              <a:rPr lang="de-DE" dirty="0"/>
+              <a:t> </a:t>
+            </a:r>
+            <a:r>
+              <a:rPr lang="de-DE" dirty="0" err="1"/>
+              <a:t>and</a:t>
+            </a:r>
+            <a:r>
+              <a:rPr lang="de-DE" dirty="0"/>
+              <a:t> </a:t>
+            </a:r>
+            <a:r>
+              <a:rPr lang="de-DE" dirty="0" smtClean="0"/>
+              <a:t>	</a:t>
+            </a:r>
+            <a:r>
+              <a:rPr lang="de-DE" dirty="0" err="1" smtClean="0"/>
+              <a:t>diagnosis</a:t>
+            </a:r>
+            <a:r>
+              <a:rPr lang="de-DE" dirty="0" smtClean="0"/>
+              <a:t>. Journal </a:t>
+            </a:r>
+            <a:r>
+              <a:rPr lang="de-DE" dirty="0" err="1" smtClean="0"/>
+              <a:t>of</a:t>
+            </a:r>
+            <a:r>
+              <a:rPr lang="de-DE" dirty="0" smtClean="0"/>
+              <a:t> </a:t>
+            </a:r>
+            <a:r>
+              <a:rPr lang="de-DE" dirty="0" err="1" smtClean="0"/>
+              <a:t>neurology</a:t>
+            </a:r>
+            <a:r>
+              <a:rPr lang="de-DE" dirty="0" smtClean="0"/>
+              <a:t>, </a:t>
+            </a:r>
+            <a:r>
+              <a:rPr lang="de-DE" dirty="0" err="1" smtClean="0"/>
+              <a:t>neurosurgery</a:t>
+            </a:r>
+            <a:r>
+              <a:rPr lang="de-DE" dirty="0" smtClean="0"/>
+              <a:t> &amp; </a:t>
+            </a:r>
+            <a:r>
+              <a:rPr lang="de-DE" dirty="0" err="1" smtClean="0"/>
+              <a:t>psychiatry</a:t>
+            </a:r>
+            <a:r>
+              <a:rPr lang="de-DE" dirty="0" smtClean="0"/>
+              <a:t>, 	79(4), 368-376.</a:t>
+            </a:r>
+          </a:p>
+          <a:p>
+            <a:pPr marL="0" indent="0">
+              <a:buNone/>
+            </a:pPr>
+            <a:r>
+              <a:rPr lang="de-DE" dirty="0" err="1"/>
+              <a:t>Opri</a:t>
+            </a:r>
+            <a:r>
+              <a:rPr lang="de-DE" dirty="0"/>
+              <a:t>, E., </a:t>
+            </a:r>
+            <a:r>
+              <a:rPr lang="de-DE" dirty="0" err="1"/>
+              <a:t>Cernera</a:t>
+            </a:r>
+            <a:r>
+              <a:rPr lang="de-DE" dirty="0"/>
+              <a:t>, S., Molina, R., Eisinger, R. S., </a:t>
+            </a:r>
+            <a:r>
+              <a:rPr lang="de-DE" dirty="0" err="1"/>
+              <a:t>Cagle</a:t>
+            </a:r>
+            <a:r>
+              <a:rPr lang="de-DE" dirty="0"/>
+              <a:t>, J. N., Almeida, 	L. et al. (2020). </a:t>
+            </a:r>
+            <a:r>
+              <a:rPr lang="de-DE" dirty="0" err="1"/>
+              <a:t>Chronic</a:t>
+            </a:r>
+            <a:r>
+              <a:rPr lang="de-DE" dirty="0"/>
+              <a:t> </a:t>
+            </a:r>
+            <a:r>
+              <a:rPr lang="de-DE" dirty="0" err="1"/>
+              <a:t>embedded</a:t>
+            </a:r>
+            <a:r>
+              <a:rPr lang="de-DE" dirty="0"/>
+              <a:t> </a:t>
+            </a:r>
+            <a:r>
+              <a:rPr lang="de-DE" dirty="0" err="1"/>
+              <a:t>cortico-thalamic</a:t>
+            </a:r>
+            <a:r>
+              <a:rPr lang="de-DE" dirty="0"/>
+              <a:t> </a:t>
+            </a:r>
+            <a:r>
+              <a:rPr lang="de-DE" dirty="0" err="1"/>
+              <a:t>closed</a:t>
+            </a:r>
+            <a:r>
+              <a:rPr lang="de-DE" dirty="0"/>
+              <a:t>-	</a:t>
+            </a:r>
+            <a:r>
+              <a:rPr lang="de-DE" dirty="0" err="1"/>
+              <a:t>loop</a:t>
+            </a:r>
+            <a:r>
+              <a:rPr lang="de-DE" dirty="0"/>
+              <a:t> </a:t>
+            </a:r>
+            <a:r>
+              <a:rPr lang="de-DE" dirty="0" err="1"/>
+              <a:t>deep</a:t>
+            </a:r>
+            <a:r>
+              <a:rPr lang="de-DE" dirty="0"/>
+              <a:t> </a:t>
+            </a:r>
+            <a:r>
+              <a:rPr lang="de-DE" dirty="0" err="1"/>
+              <a:t>brain</a:t>
+            </a:r>
+            <a:r>
+              <a:rPr lang="de-DE" dirty="0"/>
+              <a:t> </a:t>
+            </a:r>
+            <a:r>
+              <a:rPr lang="de-DE" dirty="0" err="1"/>
+              <a:t>stimulation</a:t>
+            </a:r>
+            <a:r>
+              <a:rPr lang="de-DE" dirty="0"/>
+              <a:t> </a:t>
+            </a:r>
+            <a:r>
+              <a:rPr lang="de-DE" dirty="0" err="1"/>
+              <a:t>for</a:t>
+            </a:r>
+            <a:r>
+              <a:rPr lang="de-DE" dirty="0"/>
+              <a:t> </a:t>
+            </a:r>
+            <a:r>
+              <a:rPr lang="de-DE" dirty="0" err="1"/>
+              <a:t>the</a:t>
+            </a:r>
+            <a:r>
+              <a:rPr lang="de-DE" dirty="0"/>
+              <a:t> </a:t>
+            </a:r>
+            <a:r>
+              <a:rPr lang="de-DE" dirty="0" err="1"/>
+              <a:t>treatment</a:t>
+            </a:r>
+            <a:r>
+              <a:rPr lang="de-DE" dirty="0"/>
+              <a:t> </a:t>
+            </a:r>
+            <a:r>
+              <a:rPr lang="de-DE" dirty="0" err="1"/>
+              <a:t>of</a:t>
+            </a:r>
+            <a:r>
+              <a:rPr lang="de-DE" dirty="0"/>
+              <a:t> essential 	</a:t>
+            </a:r>
+            <a:r>
+              <a:rPr lang="de-DE" dirty="0" err="1"/>
+              <a:t>tremor</a:t>
+            </a:r>
+            <a:r>
+              <a:rPr lang="de-DE" dirty="0"/>
+              <a:t>. Science </a:t>
+            </a:r>
+            <a:r>
+              <a:rPr lang="de-DE" dirty="0" err="1"/>
+              <a:t>Translational</a:t>
+            </a:r>
+            <a:r>
+              <a:rPr lang="de-DE" dirty="0"/>
+              <a:t> </a:t>
+            </a:r>
+            <a:r>
+              <a:rPr lang="de-DE" dirty="0" err="1"/>
+              <a:t>Medicine</a:t>
+            </a:r>
+            <a:r>
+              <a:rPr lang="de-DE" dirty="0"/>
+              <a:t>, 12(572). </a:t>
+            </a:r>
+            <a:r>
+              <a:rPr lang="de-DE" dirty="0" smtClean="0"/>
+              <a:t> </a:t>
+            </a:r>
+          </a:p>
+          <a:p>
+            <a:pPr marL="0" indent="0">
+              <a:buNone/>
+            </a:pPr>
+            <a:r>
+              <a:rPr lang="en-US" dirty="0" err="1"/>
+              <a:t>Telkes</a:t>
+            </a:r>
+            <a:r>
+              <a:rPr lang="en-US" dirty="0"/>
+              <a:t>, I., </a:t>
+            </a:r>
+            <a:r>
+              <a:rPr lang="en-US" dirty="0" err="1"/>
+              <a:t>Sabourin</a:t>
+            </a:r>
+            <a:r>
+              <a:rPr lang="en-US" dirty="0"/>
+              <a:t>, S., </a:t>
+            </a:r>
+            <a:r>
+              <a:rPr lang="en-US" dirty="0" err="1"/>
+              <a:t>Durphy</a:t>
+            </a:r>
+            <a:r>
+              <a:rPr lang="en-US" dirty="0"/>
+              <a:t>, J., Adam, O., </a:t>
+            </a:r>
+            <a:r>
+              <a:rPr lang="en-US" dirty="0" err="1"/>
+              <a:t>Sukul</a:t>
+            </a:r>
+            <a:r>
+              <a:rPr lang="en-US" dirty="0"/>
+              <a:t>, V., </a:t>
+            </a:r>
+            <a:r>
+              <a:rPr lang="en-US" dirty="0" err="1"/>
+              <a:t>Raviv</a:t>
+            </a:r>
+            <a:r>
+              <a:rPr lang="en-US" dirty="0"/>
+              <a:t>, N. et </a:t>
+            </a:r>
+            <a:r>
+              <a:rPr lang="en-US" dirty="0" smtClean="0"/>
+              <a:t>	al</a:t>
+            </a:r>
+            <a:r>
+              <a:rPr lang="en-US" dirty="0"/>
+              <a:t>. (2020). Functional use of directional local field potentials </a:t>
+            </a:r>
+            <a:r>
+              <a:rPr lang="en-US" dirty="0" smtClean="0"/>
+              <a:t>	in </a:t>
+            </a:r>
+            <a:r>
+              <a:rPr lang="en-US" dirty="0"/>
+              <a:t>the </a:t>
+            </a:r>
+            <a:r>
+              <a:rPr lang="en-US" dirty="0" err="1"/>
+              <a:t>subthalamic</a:t>
+            </a:r>
+            <a:r>
+              <a:rPr lang="en-US" dirty="0"/>
+              <a:t> nucleus deep brain stimulation. </a:t>
+            </a:r>
+            <a:r>
+              <a:rPr lang="en-US" dirty="0" smtClean="0"/>
+              <a:t>	Frontiers </a:t>
+            </a:r>
+            <a:r>
+              <a:rPr lang="en-US" dirty="0"/>
+              <a:t>in human neuroscience, 14, 145</a:t>
+            </a:r>
+            <a:r>
+              <a:rPr lang="en-US" dirty="0" smtClean="0"/>
+              <a:t>.</a:t>
+            </a:r>
+          </a:p>
+          <a:p>
+            <a:pPr marL="0" indent="0">
+              <a:buNone/>
+            </a:pPr>
+            <a:endParaRPr lang="de-DE" dirty="0"/>
+          </a:p>
+        </p:txBody>
+      </p:sp>
+    </p:spTree>
+    <p:extLst>
+      <p:ext uri="{BB962C8B-B14F-4D97-AF65-F5344CB8AC3E}">
+        <p14:creationId xmlns:p14="http://schemas.microsoft.com/office/powerpoint/2010/main" val="2377918122"/>
+      </p:ext>
+    </p:extLst>
+  </p:cSld>
+  <p:clrMapOvr>
+    <a:masterClrMapping/>
+  </p:clrMapOvr>
+</p:sld>
+</file>
+
+<file path=ppt/slides/slide3.xml><?xml version="1.0" encoding="utf-8"?>
+<p:sld xmlns:a="http://schemas.openxmlformats.org/drawingml/2006/main" xmlns:r="http://schemas.openxmlformats.org/officeDocument/2006/relationships" xmlns:p="http://schemas.openxmlformats.org/presentationml/2006/main">
+  <p:cSld>
+    <p:spTree>
+      <p:nvGrpSpPr>
+        <p:cNvPr id="1" name=""/>
+        <p:cNvGrpSpPr/>
+        <p:nvPr/>
+      </p:nvGrpSpPr>
+      <p:grpSpPr>
+        <a:xfrm>
+          <a:off x="0" y="0"/>
+          <a:ext cx="0" cy="0"/>
+          <a:chOff x="0" y="0"/>
+          <a:chExt cx="0" cy="0"/>
+        </a:xfrm>
+      </p:grpSpPr>
+      <p:sp>
+        <p:nvSpPr>
+          <p:cNvPr id="2" name="Titel 1"/>
+          <p:cNvSpPr>
+            <a:spLocks noGrp="1"/>
+          </p:cNvSpPr>
+          <p:nvPr>
+            <p:ph type="title"/>
+          </p:nvPr>
+        </p:nvSpPr>
+        <p:spPr/>
+        <p:txBody>
+          <a:bodyPr/>
+          <a:lstStyle/>
+          <a:p>
+            <a:r>
+              <a:rPr lang="de-DE" dirty="0" smtClean="0"/>
+              <a:t>Parkinson </a:t>
+            </a:r>
+            <a:endParaRPr lang="de-DE" dirty="0"/>
+          </a:p>
+        </p:txBody>
+      </p:sp>
+      <p:sp>
+        <p:nvSpPr>
+          <p:cNvPr id="3" name="Inhaltsplatzhalter 2"/>
+          <p:cNvSpPr>
+            <a:spLocks noGrp="1"/>
+          </p:cNvSpPr>
+          <p:nvPr>
+            <p:ph idx="1"/>
+          </p:nvPr>
+        </p:nvSpPr>
+        <p:spPr/>
+        <p:txBody>
+          <a:bodyPr/>
+          <a:lstStyle/>
+          <a:p>
+            <a:pPr>
+              <a:lnSpc>
+                <a:spcPct val="200000"/>
+              </a:lnSpc>
+            </a:pPr>
+            <a:r>
+              <a:rPr lang="de-DE" dirty="0" smtClean="0"/>
+              <a:t>Motorische Symptome </a:t>
+            </a:r>
+          </a:p>
+          <a:p>
+            <a:pPr lvl="1">
+              <a:lnSpc>
+                <a:spcPct val="200000"/>
+              </a:lnSpc>
+            </a:pPr>
+            <a:r>
+              <a:rPr lang="de-DE" dirty="0" smtClean="0"/>
+              <a:t>Ruhetremor</a:t>
+            </a:r>
+          </a:p>
+          <a:p>
+            <a:pPr lvl="1">
+              <a:lnSpc>
+                <a:spcPct val="200000"/>
+              </a:lnSpc>
+            </a:pPr>
+            <a:r>
+              <a:rPr lang="de-DE" dirty="0" smtClean="0"/>
+              <a:t>Rigor</a:t>
+            </a:r>
+          </a:p>
+          <a:p>
+            <a:pPr lvl="1">
+              <a:lnSpc>
+                <a:spcPct val="200000"/>
+              </a:lnSpc>
+            </a:pPr>
+            <a:r>
+              <a:rPr lang="de-DE" dirty="0" err="1" smtClean="0"/>
+              <a:t>Bradykinesie</a:t>
+            </a:r>
+            <a:endParaRPr lang="de-DE" dirty="0" smtClean="0"/>
+          </a:p>
+          <a:p>
+            <a:pPr lvl="1">
+              <a:lnSpc>
+                <a:spcPct val="200000"/>
+              </a:lnSpc>
+            </a:pPr>
+            <a:r>
+              <a:rPr lang="de-DE" dirty="0" smtClean="0"/>
+              <a:t>Instabilität der Körperhaltung  </a:t>
+            </a:r>
+            <a:endParaRPr lang="de-DE" dirty="0"/>
+          </a:p>
+        </p:txBody>
+      </p:sp>
+    </p:spTree>
+    <p:extLst>
+      <p:ext uri="{BB962C8B-B14F-4D97-AF65-F5344CB8AC3E}">
+        <p14:creationId xmlns:p14="http://schemas.microsoft.com/office/powerpoint/2010/main" val="1613412714"/>
+      </p:ext>
+    </p:extLst>
+  </p:cSld>
+  <p:clrMapOvr>
+    <a:masterClrMapping/>
+  </p:clrMapOvr>
+  <p:timing>
+    <p:tnLst>
+      <p:par>
+        <p:cTn id="1" dur="indefinite" restart="never" nodeType="tmRoot"/>
+      </p:par>
+    </p:tnLst>
+  </p:timing>
+</p:sld>
+</file>
+
+<file path=ppt/slides/slide4.xml><?xml version="1.0" encoding="utf-8"?>
+<p:sld xmlns:a="http://schemas.openxmlformats.org/drawingml/2006/main" xmlns:r="http://schemas.openxmlformats.org/officeDocument/2006/relationships" xmlns:p="http://schemas.openxmlformats.org/presentationml/2006/main">
+  <p:cSld>
+    <p:spTree>
+      <p:nvGrpSpPr>
+        <p:cNvPr id="1" name=""/>
+        <p:cNvGrpSpPr/>
+        <p:nvPr/>
+      </p:nvGrpSpPr>
+      <p:grpSpPr>
+        <a:xfrm>
+          <a:off x="0" y="0"/>
+          <a:ext cx="0" cy="0"/>
+          <a:chOff x="0" y="0"/>
+          <a:chExt cx="0" cy="0"/>
+        </a:xfrm>
+      </p:grpSpPr>
+      <p:sp>
+        <p:nvSpPr>
+          <p:cNvPr id="2" name="Titel 1"/>
+          <p:cNvSpPr>
+            <a:spLocks noGrp="1"/>
+          </p:cNvSpPr>
+          <p:nvPr>
             <p:ph type="title"/>
           </p:nvPr>
         </p:nvSpPr>
@@ -4102,10 +6657,10 @@
           <a:lstStyle/>
           <a:p>
             <a:r>
-              <a:rPr lang="de-DE" sz="3200" dirty="0" smtClean="0"/>
-              <a:t>Visualisierung der Distanz zum Ziel</a:t>
-            </a:r>
-            <a:endParaRPr lang="de-DE" sz="3200" dirty="0"/>
+              <a:rPr lang="de-DE" sz="2800" dirty="0" smtClean="0"/>
+              <a:t>Pathophysiologie</a:t>
+            </a:r>
+            <a:endParaRPr lang="de-DE" sz="2800" dirty="0"/>
           </a:p>
         </p:txBody>
       </p:sp>
@@ -4121,10 +6676,55 @@
         </p:nvSpPr>
         <p:spPr/>
         <p:txBody>
-          <a:bodyPr/>
-          <a:lstStyle/>
-          <a:p>
-            <a:endParaRPr lang="de-DE"/>
+          <a:bodyPr>
+            <a:normAutofit fontScale="92500" lnSpcReduction="20000"/>
+          </a:bodyPr>
+          <a:lstStyle/>
+          <a:p>
+            <a:endParaRPr lang="de-DE" dirty="0" smtClean="0"/>
+          </a:p>
+          <a:p>
+            <a:endParaRPr lang="de-DE" dirty="0"/>
+          </a:p>
+          <a:p>
+            <a:endParaRPr lang="de-DE" dirty="0" smtClean="0"/>
+          </a:p>
+          <a:p>
+            <a:endParaRPr lang="de-DE" dirty="0"/>
+          </a:p>
+          <a:p>
+            <a:endParaRPr lang="de-DE" dirty="0" smtClean="0"/>
+          </a:p>
+          <a:p>
+            <a:endParaRPr lang="de-DE" dirty="0"/>
+          </a:p>
+          <a:p>
+            <a:endParaRPr lang="de-DE" dirty="0" smtClean="0"/>
+          </a:p>
+          <a:p>
+            <a:endParaRPr lang="de-DE" dirty="0"/>
+          </a:p>
+          <a:p>
+            <a:endParaRPr lang="de-DE" dirty="0" smtClean="0"/>
+          </a:p>
+          <a:p>
+            <a:endParaRPr lang="de-DE" dirty="0"/>
+          </a:p>
+          <a:p>
+            <a:endParaRPr lang="de-DE" dirty="0" smtClean="0"/>
+          </a:p>
+          <a:p>
+            <a:endParaRPr lang="de-DE" dirty="0" smtClean="0"/>
+          </a:p>
+          <a:p>
+            <a:endParaRPr lang="de-DE" dirty="0" smtClean="0"/>
+          </a:p>
+          <a:p>
+            <a:r>
+              <a:rPr lang="de-DE" dirty="0" smtClean="0"/>
+              <a:t>Tiefe Hirnstimulation (DBS) des STN führt zu einer Verringerung der Symptome</a:t>
+            </a:r>
+            <a:endParaRPr lang="de-DE" dirty="0"/>
           </a:p>
         </p:txBody>
       </p:sp>
@@ -4144,18 +6744,98 @@
         </p:blipFill>
         <p:spPr>
           <a:xfrm>
-            <a:off x="4368476" y="1465706"/>
-            <a:ext cx="6316784" cy="3917443"/>
+            <a:off x="5331109" y="650982"/>
+            <a:ext cx="4391514" cy="3873709"/>
           </a:xfrm>
           <a:prstGeom prst="rect">
             <a:avLst/>
           </a:prstGeom>
         </p:spPr>
       </p:pic>
+      <p:sp>
+        <p:nvSpPr>
+          <p:cNvPr id="5" name="Textfeld 4"/>
+          <p:cNvSpPr txBox="1"/>
+          <p:nvPr/>
+        </p:nvSpPr>
+        <p:spPr>
+          <a:xfrm>
+            <a:off x="5261444" y="4524691"/>
+            <a:ext cx="4530845" cy="1200329"/>
+          </a:xfrm>
+          <a:prstGeom prst="rect">
+            <a:avLst/>
+          </a:prstGeom>
+          <a:noFill/>
+        </p:spPr>
+        <p:txBody>
+          <a:bodyPr wrap="square" rtlCol="0">
+            <a:spAutoFit/>
+          </a:bodyPr>
+          <a:lstStyle/>
+          <a:p>
+            <a:r>
+              <a:rPr lang="de-DE" sz="1200" i="1" dirty="0" smtClean="0"/>
+              <a:t>Abbildung 1</a:t>
+            </a:r>
+            <a:r>
+              <a:rPr lang="de-DE" sz="1200" dirty="0" smtClean="0"/>
+              <a:t>. Veränderungen der Verschaltungen des motorischen Kortex bei Morbus Parkinson. Aus </a:t>
+            </a:r>
+            <a:r>
+              <a:rPr lang="en-US" sz="1200" dirty="0" err="1"/>
+              <a:t>Poewe</a:t>
+            </a:r>
+            <a:r>
+              <a:rPr lang="en-US" sz="1200" dirty="0"/>
+              <a:t>, W., </a:t>
+            </a:r>
+            <a:r>
+              <a:rPr lang="en-US" sz="1200" dirty="0" err="1"/>
+              <a:t>Seppi</a:t>
+            </a:r>
+            <a:r>
+              <a:rPr lang="en-US" sz="1200" dirty="0"/>
+              <a:t>, K., Tanner, C. M., Halliday, G. M., </a:t>
+            </a:r>
+            <a:r>
+              <a:rPr lang="en-US" sz="1200" dirty="0" err="1"/>
+              <a:t>Brundin</a:t>
+            </a:r>
+            <a:r>
+              <a:rPr lang="en-US" sz="1200" dirty="0"/>
+              <a:t>, P., Volkmann, J. et al. (2017). Parkinson disease. </a:t>
+            </a:r>
+            <a:r>
+              <a:rPr lang="en-US" sz="1200" i="1" dirty="0"/>
+              <a:t>Nature reviews Disease primers</a:t>
+            </a:r>
+            <a:r>
+              <a:rPr lang="en-US" sz="1200" dirty="0"/>
+              <a:t>, </a:t>
+            </a:r>
+            <a:r>
+              <a:rPr lang="en-US" sz="1200" i="1" dirty="0"/>
+              <a:t>3</a:t>
+            </a:r>
+            <a:r>
+              <a:rPr lang="en-US" sz="1200" dirty="0"/>
+              <a:t>(1), 1-21.</a:t>
+            </a:r>
+            <a:endParaRPr lang="de-DE" sz="1200" dirty="0"/>
+          </a:p>
+          <a:p>
+            <a:endParaRPr lang="de-DE" sz="1200" dirty="0" smtClean="0"/>
+          </a:p>
+          <a:p>
+            <a:endParaRPr lang="de-DE" sz="1200" dirty="0"/>
+          </a:p>
+        </p:txBody>
+      </p:sp>
     </p:spTree>
     <p:extLst>
       <p:ext uri="{BB962C8B-B14F-4D97-AF65-F5344CB8AC3E}">
-        <p14:creationId xmlns:p14="http://schemas.microsoft.com/office/powerpoint/2010/main" val="303234402"/>
+        <p14:creationId xmlns:p14="http://schemas.microsoft.com/office/powerpoint/2010/main" val="1794935436"/>
       </p:ext>
     </p:extLst>
   </p:cSld>
@@ -4165,7 +6845,7 @@
 </p:sld>
 </file>
 
-<file path=ppt/slides/slide15.xml><?xml version="1.0" encoding="utf-8"?>
+<file path=ppt/slides/slide5.xml><?xml version="1.0" encoding="utf-8"?>
 <p:sld xmlns:a="http://schemas.openxmlformats.org/drawingml/2006/main" xmlns:r="http://schemas.openxmlformats.org/officeDocument/2006/relationships" xmlns:p="http://schemas.openxmlformats.org/presentationml/2006/main">
   <p:cSld>
     <p:spTree>
@@ -4194,22 +6874,20 @@
         </p:nvSpPr>
         <p:spPr/>
         <p:txBody>
-          <a:bodyPr>
-            <a:normAutofit/>
-          </a:bodyPr>
-          <a:lstStyle/>
-          <a:p>
-            <a:r>
-              <a:rPr lang="de-DE" sz="3200" dirty="0" smtClean="0"/>
-              <a:t>Zusammenhang zwischen Beta Power und Distanz zum Ziel (Kendalls Tau)</a:t>
-            </a:r>
-            <a:endParaRPr lang="de-DE" sz="3200" dirty="0"/>
-          </a:p>
-        </p:txBody>
-      </p:sp>
-      <p:sp>
-        <p:nvSpPr>
-          <p:cNvPr id="5" name="Inhaltsplatzhalter 4"/>
+          <a:bodyPr/>
+          <a:lstStyle/>
+          <a:p>
+            <a:r>
+              <a:rPr lang="de-DE" dirty="0" smtClean="0"/>
+              <a:t>Probleme der DBS</a:t>
+            </a:r>
+            <a:endParaRPr lang="de-DE" dirty="0"/>
+          </a:p>
+        </p:txBody>
+      </p:sp>
+      <p:sp>
+        <p:nvSpPr>
+          <p:cNvPr id="3" name="Inhaltsplatzhalter 2"/>
           <p:cNvSpPr>
             <a:spLocks noGrp="1"/>
           </p:cNvSpPr>
@@ -4222,48 +6900,97 @@
           <a:bodyPr/>
           <a:lstStyle/>
           <a:p>
-            <a:endParaRPr lang="de-DE"/>
-          </a:p>
-        </p:txBody>
-      </p:sp>
-      <p:pic>
-        <p:nvPicPr>
-          <p:cNvPr id="6" name="Grafik 5"/>
-          <p:cNvPicPr>
-            <a:picLocks noChangeAspect="1"/>
-          </p:cNvPicPr>
-          <p:nvPr/>
-        </p:nvPicPr>
-        <p:blipFill>
-          <a:blip r:embed="rId2"/>
-          <a:stretch>
-            <a:fillRect/>
-          </a:stretch>
-        </p:blipFill>
-        <p:spPr>
-          <a:xfrm>
-            <a:off x="3891055" y="1148837"/>
-            <a:ext cx="7271625" cy="4551182"/>
-          </a:xfrm>
-          <a:prstGeom prst="rect">
-            <a:avLst/>
-          </a:prstGeom>
-        </p:spPr>
-      </p:pic>
+            <a:pPr>
+              <a:lnSpc>
+                <a:spcPct val="200000"/>
+              </a:lnSpc>
+            </a:pPr>
+            <a:r>
+              <a:rPr lang="de-DE" dirty="0" smtClean="0"/>
+              <a:t>Nebenwirkungen bei ungenauer Positionierung der Elektrode</a:t>
+            </a:r>
+          </a:p>
+          <a:p>
+            <a:pPr>
+              <a:lnSpc>
+                <a:spcPct val="200000"/>
+              </a:lnSpc>
+            </a:pPr>
+            <a:r>
+              <a:rPr lang="de-DE" dirty="0" smtClean="0"/>
+              <a:t>Hohe Komplexität und Aufwand der Behandlung </a:t>
+            </a:r>
+          </a:p>
+          <a:p>
+            <a:pPr>
+              <a:lnSpc>
+                <a:spcPct val="200000"/>
+              </a:lnSpc>
+            </a:pPr>
+            <a:r>
+              <a:rPr lang="de-DE" dirty="0" smtClean="0"/>
+              <a:t>Exakte Position des STN ist im MRT meist nicht gut zu erkennen</a:t>
+            </a:r>
+          </a:p>
+          <a:p>
+            <a:pPr lvl="1">
+              <a:lnSpc>
+                <a:spcPct val="150000"/>
+              </a:lnSpc>
+            </a:pPr>
+            <a:r>
+              <a:rPr lang="de-DE" dirty="0" smtClean="0"/>
+              <a:t>Rechnerische Modelle sollen optimale Einstellungen vorhersagen</a:t>
+            </a:r>
+          </a:p>
+          <a:p>
+            <a:pPr lvl="1">
+              <a:lnSpc>
+                <a:spcPct val="150000"/>
+              </a:lnSpc>
+            </a:pPr>
+            <a:r>
+              <a:rPr lang="de-DE" dirty="0" smtClean="0"/>
+              <a:t>Experimente mit </a:t>
+            </a:r>
+            <a:r>
+              <a:rPr lang="de-DE" dirty="0" err="1" smtClean="0"/>
+              <a:t>Closed</a:t>
+            </a:r>
+            <a:r>
+              <a:rPr lang="de-DE" dirty="0" smtClean="0"/>
+              <a:t>-Loop DBS </a:t>
+            </a:r>
+          </a:p>
+          <a:p>
+            <a:pPr marL="502920" lvl="1" indent="0">
+              <a:buNone/>
+            </a:pPr>
+            <a:endParaRPr lang="de-DE" dirty="0"/>
+          </a:p>
+        </p:txBody>
+      </p:sp>
     </p:spTree>
     <p:extLst>
       <p:ext uri="{BB962C8B-B14F-4D97-AF65-F5344CB8AC3E}">
-        <p14:creationId xmlns:p14="http://schemas.microsoft.com/office/powerpoint/2010/main" val="2829738677"/>
+        <p14:creationId xmlns:p14="http://schemas.microsoft.com/office/powerpoint/2010/main" val="1716542008"/>
       </p:ext>
     </p:extLst>
   </p:cSld>
   <p:clrMapOvr>
     <a:masterClrMapping/>
   </p:clrMapOvr>
+  <p:timing>
+    <p:tnLst>
+      <p:par>
+        <p:cTn id="1" dur="indefinite" restart="never" nodeType="tmRoot"/>
+      </p:par>
+    </p:tnLst>
+  </p:timing>
 </p:sld>
 </file>
 
-<file path=ppt/slides/slide16.xml><?xml version="1.0" encoding="utf-8"?>
+<file path=ppt/slides/slide6.xml><?xml version="1.0" encoding="utf-8"?>
 <p:sld xmlns:a="http://schemas.openxmlformats.org/drawingml/2006/main" xmlns:r="http://schemas.openxmlformats.org/officeDocument/2006/relationships" xmlns:p="http://schemas.openxmlformats.org/presentationml/2006/main">
   <p:cSld>
     <p:spTree>
@@ -4297,7 +7024,7 @@
           <a:p>
             <a:r>
               <a:rPr lang="de-DE" dirty="0" smtClean="0"/>
-              <a:t>Regression</a:t>
+              <a:t>Spike-Aktivität</a:t>
             </a:r>
             <a:endParaRPr lang="de-DE" dirty="0"/>
           </a:p>
@@ -4318,18 +7045,6 @@
           <a:bodyPr/>
           <a:lstStyle/>
           <a:p>
-            <a:r>
-              <a:rPr lang="de-DE" dirty="0" smtClean="0"/>
-              <a:t>Statt der Beta-Power scheinen die aperiodische Komponente und die Theta-Power einen Zusammenhang zu der Distanz </a:t>
-            </a:r>
-            <a:r>
-              <a:rPr lang="de-DE" smtClean="0"/>
-              <a:t>zum Ziel </a:t>
-            </a:r>
-            <a:r>
-              <a:rPr lang="de-DE" dirty="0" smtClean="0"/>
-              <a:t>zu zeigen</a:t>
-            </a:r>
             <a:endParaRPr lang="de-DE" dirty="0"/>
           </a:p>
         </p:txBody>
@@ -4350,18 +7065,52 @@
         </p:blipFill>
         <p:spPr>
           <a:xfrm>
-            <a:off x="3869268" y="4102176"/>
-            <a:ext cx="5199111" cy="1622844"/>
+            <a:off x="3869268" y="649564"/>
+            <a:ext cx="3536446" cy="5075456"/>
           </a:xfrm>
           <a:prstGeom prst="rect">
             <a:avLst/>
           </a:prstGeom>
         </p:spPr>
       </p:pic>
+      <p:sp>
+        <p:nvSpPr>
+          <p:cNvPr id="5" name="Textfeld 4"/>
+          <p:cNvSpPr txBox="1"/>
+          <p:nvPr/>
+        </p:nvSpPr>
+        <p:spPr>
+          <a:xfrm>
+            <a:off x="3869268" y="5725020"/>
+            <a:ext cx="5881290" cy="276999"/>
+          </a:xfrm>
+          <a:prstGeom prst="rect">
+            <a:avLst/>
+          </a:prstGeom>
+          <a:noFill/>
+        </p:spPr>
+        <p:txBody>
+          <a:bodyPr wrap="none" rtlCol="0">
+            <a:spAutoFit/>
+          </a:bodyPr>
+          <a:lstStyle/>
+          <a:p>
+            <a:r>
+              <a:rPr lang="de-DE" sz="1200" i="1" dirty="0" smtClean="0"/>
+              <a:t>Abbildung 2</a:t>
+            </a:r>
+            <a:r>
+              <a:rPr lang="de-DE" sz="1200" dirty="0" smtClean="0"/>
+              <a:t>. Rohsignal von der Elektrode innerhalb des STN (oben) und außerhalb (unten).</a:t>
+            </a:r>
+            <a:endParaRPr lang="de-DE" sz="1200" dirty="0"/>
+          </a:p>
+        </p:txBody>
+      </p:sp>
     </p:spTree>
     <p:extLst>
       <p:ext uri="{BB962C8B-B14F-4D97-AF65-F5344CB8AC3E}">
-        <p14:creationId xmlns:p14="http://schemas.microsoft.com/office/powerpoint/2010/main" val="1689437666"/>
+        <p14:creationId xmlns:p14="http://schemas.microsoft.com/office/powerpoint/2010/main" val="1052838560"/>
       </p:ext>
     </p:extLst>
   </p:cSld>
@@ -4371,7 +7120,121 @@
 </p:sld>
 </file>
 
-<file path=ppt/slides/slide2.xml><?xml version="1.0" encoding="utf-8"?>
+<file path=ppt/slides/slide7.xml><?xml version="1.0" encoding="utf-8"?>
+<p:sld xmlns:a="http://schemas.openxmlformats.org/drawingml/2006/main" xmlns:r="http://schemas.openxmlformats.org/officeDocument/2006/relationships" xmlns:p="http://schemas.openxmlformats.org/presentationml/2006/main">
+  <p:cSld>
+    <p:spTree>
+      <p:nvGrpSpPr>
+        <p:cNvPr id="1" name=""/>
+        <p:cNvGrpSpPr/>
+        <p:nvPr/>
+      </p:nvGrpSpPr>
+      <p:grpSpPr>
+        <a:xfrm>
+          <a:off x="0" y="0"/>
+          <a:ext cx="0" cy="0"/>
+          <a:chOff x="0" y="0"/>
+          <a:chExt cx="0" cy="0"/>
+        </a:xfrm>
+      </p:grpSpPr>
+      <p:sp>
+        <p:nvSpPr>
+          <p:cNvPr id="2" name="Titel 1"/>
+          <p:cNvSpPr>
+            <a:spLocks noGrp="1"/>
+          </p:cNvSpPr>
+          <p:nvPr>
+            <p:ph type="title"/>
+          </p:nvPr>
+        </p:nvSpPr>
+        <p:spPr/>
+        <p:txBody>
+          <a:bodyPr/>
+          <a:lstStyle/>
+          <a:p>
+            <a:r>
+              <a:rPr lang="de-DE" dirty="0" smtClean="0"/>
+              <a:t>Fragestellung</a:t>
+            </a:r>
+            <a:endParaRPr lang="de-DE" dirty="0"/>
+          </a:p>
+        </p:txBody>
+      </p:sp>
+      <p:sp>
+        <p:nvSpPr>
+          <p:cNvPr id="3" name="Inhaltsplatzhalter 2"/>
+          <p:cNvSpPr>
+            <a:spLocks noGrp="1"/>
+          </p:cNvSpPr>
+          <p:nvPr>
+            <p:ph idx="1"/>
+          </p:nvPr>
+        </p:nvSpPr>
+        <p:spPr/>
+        <p:txBody>
+          <a:bodyPr/>
+          <a:lstStyle/>
+          <a:p>
+            <a:r>
+              <a:rPr lang="de-DE" dirty="0" smtClean="0"/>
+              <a:t>Spike-Aktivität bisher einziges Maß für die Genauigkeit der Elektrodenposition</a:t>
+            </a:r>
+          </a:p>
+          <a:p>
+            <a:pPr lvl="1"/>
+            <a:r>
+              <a:rPr lang="de-DE" dirty="0" smtClean="0"/>
+              <a:t>Gute Hinweise für Beta </a:t>
+            </a:r>
+            <a:r>
+              <a:rPr lang="de-DE" dirty="0" smtClean="0"/>
+              <a:t>(13 bis 35 Hz) und Theta (4 bis 7 Hz)</a:t>
+            </a:r>
+            <a:endParaRPr lang="de-DE" dirty="0" smtClean="0"/>
+          </a:p>
+          <a:p>
+            <a:r>
+              <a:rPr lang="de-DE" dirty="0" smtClean="0"/>
+              <a:t>Welche</a:t>
+            </a:r>
+            <a:r>
+              <a:rPr lang="de-DE" dirty="0" smtClean="0"/>
+              <a:t> periodischen </a:t>
+            </a:r>
+            <a:r>
+              <a:rPr lang="de-DE" dirty="0" smtClean="0"/>
+              <a:t>und </a:t>
+            </a:r>
+            <a:r>
+              <a:rPr lang="de-DE" dirty="0" smtClean="0"/>
+              <a:t>aperiodischen </a:t>
+            </a:r>
+            <a:r>
+              <a:rPr lang="de-DE" dirty="0" smtClean="0"/>
+              <a:t>Komponenten im LFP von Patient*innen, die mit DBS behandelt </a:t>
+            </a:r>
+            <a:r>
+              <a:rPr lang="de-DE" dirty="0" smtClean="0"/>
+              <a:t>werden, hängen mit der Position der Elektrode zusammen?</a:t>
+            </a:r>
+            <a:endParaRPr lang="de-DE" dirty="0"/>
+          </a:p>
+        </p:txBody>
+      </p:sp>
+    </p:spTree>
+    <p:extLst>
+      <p:ext uri="{BB962C8B-B14F-4D97-AF65-F5344CB8AC3E}">
+        <p14:creationId xmlns:p14="http://schemas.microsoft.com/office/powerpoint/2010/main" val="3199305802"/>
+      </p:ext>
+    </p:extLst>
+  </p:cSld>
+  <p:clrMapOvr>
+    <a:masterClrMapping/>
+  </p:clrMapOvr>
+</p:sld>
+</file>
+
+<file path=ppt/slides/slide8.xml><?xml version="1.0" encoding="utf-8"?>
 <p:sld xmlns:a="http://schemas.openxmlformats.org/drawingml/2006/main" xmlns:r="http://schemas.openxmlformats.org/officeDocument/2006/relationships" xmlns:p="http://schemas.openxmlformats.org/presentationml/2006/main">
   <p:cSld>
     <p:spTree>
@@ -4523,988 +7386,6 @@
 </p:sld>
 </file>
 
-<file path=ppt/slides/slide3.xml><?xml version="1.0" encoding="utf-8"?>
-<p:sld xmlns:a="http://schemas.openxmlformats.org/drawingml/2006/main" xmlns:r="http://schemas.openxmlformats.org/officeDocument/2006/relationships" xmlns:p="http://schemas.openxmlformats.org/presentationml/2006/main">
-  <p:cSld>
-    <p:spTree>
-      <p:nvGrpSpPr>
-        <p:cNvPr id="1" name=""/>
-        <p:cNvGrpSpPr/>
-        <p:nvPr/>
-      </p:nvGrpSpPr>
-      <p:grpSpPr>
-        <a:xfrm>
-          <a:off x="0" y="0"/>
-          <a:ext cx="0" cy="0"/>
-          <a:chOff x="0" y="0"/>
-          <a:chExt cx="0" cy="0"/>
-        </a:xfrm>
-      </p:grpSpPr>
-      <p:sp>
-        <p:nvSpPr>
-          <p:cNvPr id="2" name="Titel 1"/>
-          <p:cNvSpPr>
-            <a:spLocks noGrp="1"/>
-          </p:cNvSpPr>
-          <p:nvPr>
-            <p:ph type="title"/>
-          </p:nvPr>
-        </p:nvSpPr>
-        <p:spPr/>
-        <p:txBody>
-          <a:bodyPr/>
-          <a:lstStyle/>
-          <a:p>
-            <a:r>
-              <a:rPr lang="de-DE" dirty="0" smtClean="0"/>
-              <a:t>Einlesen der Daten</a:t>
-            </a:r>
-            <a:endParaRPr lang="de-DE" dirty="0"/>
-          </a:p>
-        </p:txBody>
-      </p:sp>
-      <p:sp>
-        <p:nvSpPr>
-          <p:cNvPr id="3" name="Inhaltsplatzhalter 2"/>
-          <p:cNvSpPr>
-            <a:spLocks noGrp="1"/>
-          </p:cNvSpPr>
-          <p:nvPr>
-            <p:ph idx="1"/>
-          </p:nvPr>
-        </p:nvSpPr>
-        <p:spPr/>
-        <p:txBody>
-          <a:bodyPr/>
-          <a:lstStyle/>
-          <a:p>
-            <a:pPr marL="0" indent="0">
-              <a:buNone/>
-            </a:pPr>
-            <a:r>
-              <a:rPr lang="de-DE" dirty="0" smtClean="0"/>
-              <a:t>Aus dem Dateinamen: </a:t>
-            </a:r>
-          </a:p>
-          <a:p>
-            <a:pPr marL="0" indent="0">
-              <a:buNone/>
-            </a:pPr>
-            <a:r>
-              <a:rPr lang="de-DE" dirty="0" smtClean="0"/>
-              <a:t>Tiefe der Elektrode (Entfernung zum STN in mm)</a:t>
-            </a:r>
-          </a:p>
-          <a:p>
-            <a:pPr marL="0" indent="0">
-              <a:buNone/>
-            </a:pPr>
-            <a:r>
-              <a:rPr lang="de-DE" dirty="0" smtClean="0"/>
-              <a:t>Seite (Links oder Rechts)</a:t>
-            </a:r>
-          </a:p>
-          <a:p>
-            <a:pPr marL="0" indent="0">
-              <a:buNone/>
-            </a:pPr>
-            <a:r>
-              <a:rPr lang="de-DE" dirty="0"/>
-              <a:t>Trajekt (zentral, </a:t>
-            </a:r>
-            <a:r>
-              <a:rPr lang="de-DE" dirty="0" err="1"/>
-              <a:t>anterior</a:t>
-            </a:r>
-            <a:r>
-              <a:rPr lang="de-DE" dirty="0"/>
-              <a:t>, </a:t>
-            </a:r>
-            <a:r>
-              <a:rPr lang="de-DE" dirty="0" err="1"/>
-              <a:t>posterior</a:t>
-            </a:r>
-            <a:r>
-              <a:rPr lang="de-DE" dirty="0"/>
-              <a:t>, medial oder </a:t>
-            </a:r>
-            <a:r>
-              <a:rPr lang="de-DE" dirty="0" smtClean="0"/>
-              <a:t>lateral)</a:t>
-            </a:r>
-          </a:p>
-          <a:p>
-            <a:pPr marL="0" indent="0">
-              <a:buNone/>
-            </a:pPr>
-            <a:endParaRPr lang="de-DE" dirty="0"/>
-          </a:p>
-          <a:p>
-            <a:pPr marL="0" indent="0">
-              <a:buNone/>
-            </a:pPr>
-            <a:r>
-              <a:rPr lang="de-DE" dirty="0" err="1" smtClean="0"/>
-              <a:t>Downsampling</a:t>
-            </a:r>
-            <a:r>
-              <a:rPr lang="de-DE" dirty="0" smtClean="0"/>
-              <a:t> der Daten  (auf 512 Hz)</a:t>
-            </a:r>
-          </a:p>
-          <a:p>
-            <a:pPr marL="0" indent="0">
-              <a:buNone/>
-            </a:pPr>
-            <a:r>
-              <a:rPr lang="de-DE" dirty="0" smtClean="0"/>
-              <a:t>Bereinigung</a:t>
-            </a:r>
-            <a:r>
-              <a:rPr lang="de-DE" dirty="0" smtClean="0"/>
-              <a:t> </a:t>
-            </a:r>
-            <a:r>
-              <a:rPr lang="de-DE" dirty="0" smtClean="0"/>
-              <a:t>der Daten anhand der Varianz und der </a:t>
-            </a:r>
-            <a:r>
-              <a:rPr lang="de-DE" dirty="0" smtClean="0"/>
-              <a:t>S</a:t>
-            </a:r>
-            <a:r>
-              <a:rPr lang="de-DE" dirty="0" smtClean="0"/>
-              <a:t>amplepunkte</a:t>
-            </a:r>
-            <a:endParaRPr lang="de-DE" dirty="0" smtClean="0"/>
-          </a:p>
-          <a:p>
-            <a:pPr marL="457200" indent="-457200">
-              <a:buAutoNum type="arabicPeriod"/>
-            </a:pPr>
-            <a:endParaRPr lang="de-DE" dirty="0" smtClean="0"/>
-          </a:p>
-          <a:p>
-            <a:pPr marL="457200" indent="-457200">
-              <a:buAutoNum type="arabicPeriod"/>
-            </a:pPr>
-            <a:endParaRPr lang="de-DE" dirty="0"/>
-          </a:p>
-        </p:txBody>
-      </p:sp>
-    </p:spTree>
-    <p:extLst>
-      <p:ext uri="{BB962C8B-B14F-4D97-AF65-F5344CB8AC3E}">
-        <p14:creationId xmlns:p14="http://schemas.microsoft.com/office/powerpoint/2010/main" val="3875037128"/>
-      </p:ext>
-    </p:extLst>
-  </p:cSld>
-  <p:clrMapOvr>
-    <a:masterClrMapping/>
-  </p:clrMapOvr>
-</p:sld>
-</file>
-
-<file path=ppt/slides/slide4.xml><?xml version="1.0" encoding="utf-8"?>
-<p:sld xmlns:a="http://schemas.openxmlformats.org/drawingml/2006/main" xmlns:r="http://schemas.openxmlformats.org/officeDocument/2006/relationships" xmlns:p="http://schemas.openxmlformats.org/presentationml/2006/main">
-  <p:cSld>
-    <p:spTree>
-      <p:nvGrpSpPr>
-        <p:cNvPr id="1" name=""/>
-        <p:cNvGrpSpPr/>
-        <p:nvPr/>
-      </p:nvGrpSpPr>
-      <p:grpSpPr>
-        <a:xfrm>
-          <a:off x="0" y="0"/>
-          <a:ext cx="0" cy="0"/>
-          <a:chOff x="0" y="0"/>
-          <a:chExt cx="0" cy="0"/>
-        </a:xfrm>
-      </p:grpSpPr>
-      <p:sp>
-        <p:nvSpPr>
-          <p:cNvPr id="2" name="Titel 1"/>
-          <p:cNvSpPr>
-            <a:spLocks noGrp="1"/>
-          </p:cNvSpPr>
-          <p:nvPr>
-            <p:ph type="title"/>
-          </p:nvPr>
-        </p:nvSpPr>
-        <p:spPr/>
-        <p:txBody>
-          <a:bodyPr/>
-          <a:lstStyle/>
-          <a:p>
-            <a:r>
-              <a:rPr lang="de-DE" dirty="0" smtClean="0"/>
-              <a:t>Histogramm der Varianzen</a:t>
-            </a:r>
-            <a:endParaRPr lang="de-DE" dirty="0"/>
-          </a:p>
-        </p:txBody>
-      </p:sp>
-      <p:pic>
-        <p:nvPicPr>
-          <p:cNvPr id="4" name="Inhaltsplatzhalter 3"/>
-          <p:cNvPicPr>
-            <a:picLocks noGrp="1" noChangeAspect="1"/>
-          </p:cNvPicPr>
-          <p:nvPr>
-            <p:ph idx="1"/>
-          </p:nvPr>
-        </p:nvPicPr>
-        <p:blipFill>
-          <a:blip r:embed="rId2"/>
-          <a:stretch>
-            <a:fillRect/>
-          </a:stretch>
-        </p:blipFill>
-        <p:spPr>
-          <a:xfrm>
-            <a:off x="3868738" y="1472424"/>
-            <a:ext cx="7315200" cy="3903626"/>
-          </a:xfrm>
-          <a:prstGeom prst="rect">
-            <a:avLst/>
-          </a:prstGeom>
-        </p:spPr>
-      </p:pic>
-      <p:sp>
-        <p:nvSpPr>
-          <p:cNvPr id="7" name="Pfeil nach unten 6"/>
-          <p:cNvSpPr/>
-          <p:nvPr/>
-        </p:nvSpPr>
-        <p:spPr>
-          <a:xfrm>
-            <a:off x="4201064" y="1820174"/>
-            <a:ext cx="457200" cy="422694"/>
-          </a:xfrm>
-          <a:prstGeom prst="downArrow">
-            <a:avLst/>
-          </a:prstGeom>
-          <a:solidFill>
-            <a:schemeClr val="accent6"/>
-          </a:solidFill>
-          <a:ln>
-            <a:solidFill>
-              <a:schemeClr val="accent6"/>
-            </a:solidFill>
-          </a:ln>
-        </p:spPr>
-        <p:style>
-          <a:lnRef idx="2">
-            <a:schemeClr val="accent1">
-              <a:shade val="50000"/>
-            </a:schemeClr>
-          </a:lnRef>
-          <a:fillRef idx="1">
-            <a:schemeClr val="accent1"/>
-          </a:fillRef>
-          <a:effectRef idx="0">
-            <a:schemeClr val="accent1"/>
-          </a:effectRef>
-          <a:fontRef idx="minor">
-            <a:schemeClr val="lt1"/>
-          </a:fontRef>
-        </p:style>
-        <p:txBody>
-          <a:bodyPr rtlCol="0" anchor="ctr"/>
-          <a:lstStyle/>
-          <a:p>
-            <a:pPr algn="ctr"/>
-            <a:endParaRPr lang="de-DE"/>
-          </a:p>
-        </p:txBody>
-      </p:sp>
-      <p:sp>
-        <p:nvSpPr>
-          <p:cNvPr id="8" name="Rechteck 7"/>
-          <p:cNvSpPr/>
-          <p:nvPr/>
-        </p:nvSpPr>
-        <p:spPr>
-          <a:xfrm>
-            <a:off x="5779972" y="1889033"/>
-            <a:ext cx="5232523" cy="954107"/>
-          </a:xfrm>
-          <a:prstGeom prst="rect">
-            <a:avLst/>
-          </a:prstGeom>
-          <a:noFill/>
-        </p:spPr>
-        <p:txBody>
-          <a:bodyPr wrap="none" lIns="91440" tIns="45720" rIns="91440" bIns="45720">
-            <a:spAutoFit/>
-          </a:bodyPr>
-          <a:lstStyle/>
-          <a:p>
-            <a:pPr algn="ctr"/>
-            <a:r>
-              <a:rPr lang="de-DE" sz="2800" dirty="0" smtClean="0">
-                <a:ln w="0"/>
-                <a:effectLst>
-                  <a:outerShdw blurRad="38100" dist="19050" dir="2700000" algn="tl" rotWithShape="0">
-                    <a:schemeClr val="dk1">
-                      <a:alpha val="40000"/>
-                    </a:schemeClr>
-                  </a:outerShdw>
-                </a:effectLst>
-              </a:rPr>
-              <a:t>Alle Varianzen kleiner </a:t>
-            </a:r>
-            <a:r>
-              <a:rPr lang="de-DE" sz="2800" dirty="0" smtClean="0">
-                <a:ln w="0"/>
-                <a:effectLst>
-                  <a:outerShdw blurRad="38100" dist="19050" dir="2700000" algn="tl" rotWithShape="0">
-                    <a:schemeClr val="dk1">
-                      <a:alpha val="40000"/>
-                    </a:schemeClr>
-                  </a:outerShdw>
-                </a:effectLst>
-              </a:rPr>
-              <a:t>0.001 und</a:t>
-            </a:r>
-            <a:endParaRPr lang="de-DE" sz="2800" dirty="0" smtClean="0">
-              <a:ln w="0"/>
-              <a:effectLst>
-                <a:outerShdw blurRad="38100" dist="19050" dir="2700000" algn="tl" rotWithShape="0">
-                  <a:schemeClr val="dk1">
-                    <a:alpha val="40000"/>
-                  </a:schemeClr>
-                </a:outerShdw>
-              </a:effectLst>
-            </a:endParaRPr>
-          </a:p>
-          <a:p>
-            <a:pPr algn="ctr"/>
-            <a:r>
-              <a:rPr lang="de-DE" sz="2800" dirty="0" smtClean="0">
-                <a:ln w="0"/>
-                <a:effectLst>
-                  <a:outerShdw blurRad="38100" dist="19050" dir="2700000" algn="tl" rotWithShape="0">
-                    <a:schemeClr val="dk1">
-                      <a:alpha val="40000"/>
-                    </a:schemeClr>
-                  </a:outerShdw>
-                </a:effectLst>
-              </a:rPr>
-              <a:t>größer 0.08 wurden </a:t>
-            </a:r>
-            <a:r>
-              <a:rPr lang="de-DE" sz="2800" dirty="0" smtClean="0">
-                <a:ln w="0"/>
-                <a:effectLst>
-                  <a:outerShdw blurRad="38100" dist="19050" dir="2700000" algn="tl" rotWithShape="0">
-                    <a:schemeClr val="dk1">
-                      <a:alpha val="40000"/>
-                    </a:schemeClr>
-                  </a:outerShdw>
-                </a:effectLst>
-              </a:rPr>
-              <a:t>rausgeworfen</a:t>
-            </a:r>
-            <a:endParaRPr lang="de-DE" sz="2800" b="0" cap="none" spc="0" dirty="0">
-              <a:ln w="0"/>
-              <a:solidFill>
-                <a:schemeClr val="tx1"/>
-              </a:solidFill>
-              <a:effectLst>
-                <a:outerShdw blurRad="38100" dist="19050" dir="2700000" algn="tl" rotWithShape="0">
-                  <a:schemeClr val="dk1">
-                    <a:alpha val="40000"/>
-                  </a:schemeClr>
-                </a:outerShdw>
-              </a:effectLst>
-            </a:endParaRPr>
-          </a:p>
-        </p:txBody>
-      </p:sp>
-      <p:sp>
-        <p:nvSpPr>
-          <p:cNvPr id="9" name="Pfeil nach unten 8"/>
-          <p:cNvSpPr/>
-          <p:nvPr/>
-        </p:nvSpPr>
-        <p:spPr>
-          <a:xfrm>
-            <a:off x="7939033" y="4620883"/>
-            <a:ext cx="457200" cy="422694"/>
-          </a:xfrm>
-          <a:prstGeom prst="downArrow">
-            <a:avLst/>
-          </a:prstGeom>
-          <a:solidFill>
-            <a:schemeClr val="accent6"/>
-          </a:solidFill>
-          <a:ln>
-            <a:solidFill>
-              <a:schemeClr val="accent6"/>
-            </a:solidFill>
-          </a:ln>
-        </p:spPr>
-        <p:style>
-          <a:lnRef idx="2">
-            <a:schemeClr val="accent1">
-              <a:shade val="50000"/>
-            </a:schemeClr>
-          </a:lnRef>
-          <a:fillRef idx="1">
-            <a:schemeClr val="accent1"/>
-          </a:fillRef>
-          <a:effectRef idx="0">
-            <a:schemeClr val="accent1"/>
-          </a:effectRef>
-          <a:fontRef idx="minor">
-            <a:schemeClr val="lt1"/>
-          </a:fontRef>
-        </p:style>
-        <p:txBody>
-          <a:bodyPr rtlCol="0" anchor="ctr"/>
-          <a:lstStyle/>
-          <a:p>
-            <a:pPr algn="ctr"/>
-            <a:endParaRPr lang="de-DE"/>
-          </a:p>
-        </p:txBody>
-      </p:sp>
-    </p:spTree>
-    <p:extLst>
-      <p:ext uri="{BB962C8B-B14F-4D97-AF65-F5344CB8AC3E}">
-        <p14:creationId xmlns:p14="http://schemas.microsoft.com/office/powerpoint/2010/main" val="1064137129"/>
-      </p:ext>
-    </p:extLst>
-  </p:cSld>
-  <p:clrMapOvr>
-    <a:masterClrMapping/>
-  </p:clrMapOvr>
-</p:sld>
-</file>
-
-<file path=ppt/slides/slide5.xml><?xml version="1.0" encoding="utf-8"?>
-<p:sld xmlns:a="http://schemas.openxmlformats.org/drawingml/2006/main" xmlns:r="http://schemas.openxmlformats.org/officeDocument/2006/relationships" xmlns:p="http://schemas.openxmlformats.org/presentationml/2006/main">
-  <p:cSld>
-    <p:spTree>
-      <p:nvGrpSpPr>
-        <p:cNvPr id="1" name=""/>
-        <p:cNvGrpSpPr/>
-        <p:nvPr/>
-      </p:nvGrpSpPr>
-      <p:grpSpPr>
-        <a:xfrm>
-          <a:off x="0" y="0"/>
-          <a:ext cx="0" cy="0"/>
-          <a:chOff x="0" y="0"/>
-          <a:chExt cx="0" cy="0"/>
-        </a:xfrm>
-      </p:grpSpPr>
-      <p:sp>
-        <p:nvSpPr>
-          <p:cNvPr id="2" name="Titel 1"/>
-          <p:cNvSpPr>
-            <a:spLocks noGrp="1"/>
-          </p:cNvSpPr>
-          <p:nvPr>
-            <p:ph type="title"/>
-          </p:nvPr>
-        </p:nvSpPr>
-        <p:spPr/>
-        <p:txBody>
-          <a:bodyPr/>
-          <a:lstStyle/>
-          <a:p>
-            <a:r>
-              <a:rPr lang="de-DE" dirty="0" smtClean="0"/>
-              <a:t>FFT</a:t>
-            </a:r>
-            <a:endParaRPr lang="de-DE" dirty="0"/>
-          </a:p>
-        </p:txBody>
-      </p:sp>
-      <p:sp>
-        <p:nvSpPr>
-          <p:cNvPr id="3" name="Inhaltsplatzhalter 2"/>
-          <p:cNvSpPr>
-            <a:spLocks noGrp="1"/>
-          </p:cNvSpPr>
-          <p:nvPr>
-            <p:ph idx="1"/>
-          </p:nvPr>
-        </p:nvSpPr>
-        <p:spPr/>
-        <p:txBody>
-          <a:bodyPr/>
-          <a:lstStyle/>
-          <a:p>
-            <a:r>
-              <a:rPr lang="de-DE" dirty="0" err="1" smtClean="0"/>
-              <a:t>Preprocessing</a:t>
-            </a:r>
-            <a:r>
-              <a:rPr lang="de-DE" dirty="0" smtClean="0"/>
-              <a:t>: </a:t>
-            </a:r>
-          </a:p>
-          <a:p>
-            <a:pPr lvl="1"/>
-            <a:r>
-              <a:rPr lang="de-DE" dirty="0" err="1" smtClean="0"/>
-              <a:t>Demean</a:t>
-            </a:r>
-            <a:endParaRPr lang="de-DE" dirty="0" smtClean="0"/>
-          </a:p>
-          <a:p>
-            <a:pPr lvl="1"/>
-            <a:r>
-              <a:rPr lang="de-DE" dirty="0" smtClean="0"/>
-              <a:t>0.5 Hz high-pass Filter</a:t>
-            </a:r>
-          </a:p>
-          <a:p>
-            <a:pPr lvl="1"/>
-            <a:r>
-              <a:rPr lang="de-DE" dirty="0" smtClean="0"/>
-              <a:t>45 Hz </a:t>
-            </a:r>
-            <a:r>
-              <a:rPr lang="de-DE" dirty="0" err="1" smtClean="0"/>
-              <a:t>low</a:t>
-            </a:r>
-            <a:r>
-              <a:rPr lang="de-DE" dirty="0" smtClean="0"/>
-              <a:t>-pass Filter</a:t>
-            </a:r>
-          </a:p>
-          <a:p>
-            <a:r>
-              <a:rPr lang="de-DE" dirty="0" smtClean="0"/>
-              <a:t>TFR mit </a:t>
-            </a:r>
-            <a:r>
-              <a:rPr lang="de-DE" dirty="0" err="1" smtClean="0"/>
-              <a:t>Hanning</a:t>
-            </a:r>
-            <a:r>
-              <a:rPr lang="de-DE" dirty="0" smtClean="0"/>
-              <a:t> Tapern</a:t>
-            </a:r>
-          </a:p>
-          <a:p>
-            <a:pPr lvl="1"/>
-            <a:r>
-              <a:rPr lang="de-DE" dirty="0" smtClean="0"/>
-              <a:t>Errechnen der </a:t>
-            </a:r>
-            <a:r>
-              <a:rPr lang="de-DE" dirty="0" err="1" smtClean="0"/>
-              <a:t>Powerspectren</a:t>
-            </a:r>
-            <a:endParaRPr lang="de-DE" dirty="0"/>
-          </a:p>
-        </p:txBody>
-      </p:sp>
-    </p:spTree>
-    <p:extLst>
-      <p:ext uri="{BB962C8B-B14F-4D97-AF65-F5344CB8AC3E}">
-        <p14:creationId xmlns:p14="http://schemas.microsoft.com/office/powerpoint/2010/main" val="166307977"/>
-      </p:ext>
-    </p:extLst>
-  </p:cSld>
-  <p:clrMapOvr>
-    <a:masterClrMapping/>
-  </p:clrMapOvr>
-</p:sld>
-</file>
-
-<file path=ppt/slides/slide6.xml><?xml version="1.0" encoding="utf-8"?>
-<p:sld xmlns:a="http://schemas.openxmlformats.org/drawingml/2006/main" xmlns:r="http://schemas.openxmlformats.org/officeDocument/2006/relationships" xmlns:p="http://schemas.openxmlformats.org/presentationml/2006/main">
-  <p:cSld>
-    <p:spTree>
-      <p:nvGrpSpPr>
-        <p:cNvPr id="1" name=""/>
-        <p:cNvGrpSpPr/>
-        <p:nvPr/>
-      </p:nvGrpSpPr>
-      <p:grpSpPr>
-        <a:xfrm>
-          <a:off x="0" y="0"/>
-          <a:ext cx="0" cy="0"/>
-          <a:chOff x="0" y="0"/>
-          <a:chExt cx="0" cy="0"/>
-        </a:xfrm>
-      </p:grpSpPr>
-      <p:sp>
-        <p:nvSpPr>
-          <p:cNvPr id="2" name="Titel 1"/>
-          <p:cNvSpPr>
-            <a:spLocks noGrp="1"/>
-          </p:cNvSpPr>
-          <p:nvPr>
-            <p:ph type="title"/>
-          </p:nvPr>
-        </p:nvSpPr>
-        <p:spPr/>
-        <p:txBody>
-          <a:bodyPr/>
-          <a:lstStyle/>
-          <a:p>
-            <a:r>
-              <a:rPr lang="de-DE" dirty="0" smtClean="0"/>
-              <a:t>FOOOF</a:t>
-            </a:r>
-            <a:endParaRPr lang="de-DE" dirty="0"/>
-          </a:p>
-        </p:txBody>
-      </p:sp>
-      <p:sp>
-        <p:nvSpPr>
-          <p:cNvPr id="3" name="Inhaltsplatzhalter 2"/>
-          <p:cNvSpPr>
-            <a:spLocks noGrp="1"/>
-          </p:cNvSpPr>
-          <p:nvPr>
-            <p:ph idx="1"/>
-          </p:nvPr>
-        </p:nvSpPr>
-        <p:spPr/>
-        <p:txBody>
-          <a:bodyPr/>
-          <a:lstStyle/>
-          <a:p>
-            <a:r>
-              <a:rPr lang="de-DE" dirty="0" smtClean="0"/>
-              <a:t>Algorithmus, um die aperiodischen Komponenten von den periodischen zu trennen</a:t>
-            </a:r>
-          </a:p>
-          <a:p>
-            <a:r>
-              <a:rPr lang="de-DE" dirty="0" smtClean="0"/>
-              <a:t>Hier endet das erste Skript:</a:t>
-            </a:r>
-          </a:p>
-          <a:p>
-            <a:pPr lvl="1"/>
-            <a:r>
-              <a:rPr lang="de-DE" dirty="0" smtClean="0"/>
-              <a:t>426 Kanäle wurden im Verlauf dieses Skripts rausgeworfen</a:t>
-            </a:r>
-            <a:endParaRPr lang="de-DE" dirty="0"/>
-          </a:p>
-        </p:txBody>
-      </p:sp>
-    </p:spTree>
-    <p:extLst>
-      <p:ext uri="{BB962C8B-B14F-4D97-AF65-F5344CB8AC3E}">
-        <p14:creationId xmlns:p14="http://schemas.microsoft.com/office/powerpoint/2010/main" val="298152343"/>
-      </p:ext>
-    </p:extLst>
-  </p:cSld>
-  <p:clrMapOvr>
-    <a:masterClrMapping/>
-  </p:clrMapOvr>
-</p:sld>
-</file>
-
-<file path=ppt/slides/slide7.xml><?xml version="1.0" encoding="utf-8"?>
-<p:sld xmlns:a="http://schemas.openxmlformats.org/drawingml/2006/main" xmlns:r="http://schemas.openxmlformats.org/officeDocument/2006/relationships" xmlns:p="http://schemas.openxmlformats.org/presentationml/2006/main">
-  <p:cSld>
-    <p:spTree>
-      <p:nvGrpSpPr>
-        <p:cNvPr id="1" name=""/>
-        <p:cNvGrpSpPr/>
-        <p:nvPr/>
-      </p:nvGrpSpPr>
-      <p:grpSpPr>
-        <a:xfrm>
-          <a:off x="0" y="0"/>
-          <a:ext cx="0" cy="0"/>
-          <a:chOff x="0" y="0"/>
-          <a:chExt cx="0" cy="0"/>
-        </a:xfrm>
-      </p:grpSpPr>
-      <p:sp>
-        <p:nvSpPr>
-          <p:cNvPr id="2" name="Titel 1"/>
-          <p:cNvSpPr>
-            <a:spLocks noGrp="1"/>
-          </p:cNvSpPr>
-          <p:nvPr>
-            <p:ph type="ctrTitle"/>
-          </p:nvPr>
-        </p:nvSpPr>
-        <p:spPr/>
-        <p:txBody>
-          <a:bodyPr>
-            <a:noAutofit/>
-          </a:bodyPr>
-          <a:lstStyle/>
-          <a:p>
-            <a:r>
-              <a:rPr lang="de-DE" sz="4400" dirty="0" smtClean="0"/>
-              <a:t>Erstellen der Regressionstabelle</a:t>
-            </a:r>
-            <a:endParaRPr lang="de-DE" sz="4400" dirty="0"/>
-          </a:p>
-        </p:txBody>
-      </p:sp>
-      <p:sp>
-        <p:nvSpPr>
-          <p:cNvPr id="3" name="Untertitel 2"/>
-          <p:cNvSpPr>
-            <a:spLocks noGrp="1"/>
-          </p:cNvSpPr>
-          <p:nvPr>
-            <p:ph type="subTitle" idx="1"/>
-          </p:nvPr>
-        </p:nvSpPr>
-        <p:spPr/>
-        <p:txBody>
-          <a:bodyPr/>
-          <a:lstStyle/>
-          <a:p>
-            <a:r>
-              <a:rPr lang="de-DE" dirty="0" smtClean="0"/>
-              <a:t>Christian Neumann – stu203277@mail.uni-kiel.de</a:t>
-            </a:r>
-          </a:p>
-          <a:p>
-            <a:r>
-              <a:rPr lang="de-DE" dirty="0" err="1" smtClean="0"/>
-              <a:t>Sörensenstraße</a:t>
-            </a:r>
-            <a:r>
-              <a:rPr lang="de-DE" dirty="0" smtClean="0"/>
-              <a:t> 26, 24143 Kiel </a:t>
-            </a:r>
-            <a:endParaRPr lang="de-DE" dirty="0"/>
-          </a:p>
-        </p:txBody>
-      </p:sp>
-      <p:pic>
-        <p:nvPicPr>
-          <p:cNvPr id="4" name="Grafik 3"/>
-          <p:cNvPicPr>
-            <a:picLocks noChangeAspect="1"/>
-          </p:cNvPicPr>
-          <p:nvPr/>
-        </p:nvPicPr>
-        <p:blipFill>
-          <a:blip r:embed="rId2">
-            <a:extLst>
-              <a:ext uri="{28A0092B-C50C-407E-A947-70E740481C1C}">
-                <a14:useLocalDpi xmlns:a14="http://schemas.microsoft.com/office/drawing/2010/main" val="0"/>
-              </a:ext>
-            </a:extLst>
-          </a:blip>
-          <a:stretch>
-            <a:fillRect/>
-          </a:stretch>
-        </p:blipFill>
-        <p:spPr>
-          <a:xfrm>
-            <a:off x="9279004" y="763610"/>
-            <a:ext cx="2912996" cy="1444752"/>
-          </a:xfrm>
-          <a:prstGeom prst="rect">
-            <a:avLst/>
-          </a:prstGeom>
-        </p:spPr>
-      </p:pic>
-      <p:pic>
-        <p:nvPicPr>
-          <p:cNvPr id="5" name="Grafik 4"/>
-          <p:cNvPicPr>
-            <a:picLocks noChangeAspect="1"/>
-          </p:cNvPicPr>
-          <p:nvPr/>
-        </p:nvPicPr>
-        <p:blipFill>
-          <a:blip r:embed="rId3">
-            <a:extLst>
-              <a:ext uri="{28A0092B-C50C-407E-A947-70E740481C1C}">
-                <a14:useLocalDpi xmlns:a14="http://schemas.microsoft.com/office/drawing/2010/main" val="0"/>
-              </a:ext>
-            </a:extLst>
-          </a:blip>
-          <a:stretch>
-            <a:fillRect/>
-          </a:stretch>
-        </p:blipFill>
-        <p:spPr>
-          <a:xfrm>
-            <a:off x="9279004" y="2208362"/>
-            <a:ext cx="2912996" cy="728249"/>
-          </a:xfrm>
-          <a:prstGeom prst="rect">
-            <a:avLst/>
-          </a:prstGeom>
-        </p:spPr>
-      </p:pic>
-    </p:spTree>
-    <p:extLst>
-      <p:ext uri="{BB962C8B-B14F-4D97-AF65-F5344CB8AC3E}">
-        <p14:creationId xmlns:p14="http://schemas.microsoft.com/office/powerpoint/2010/main" val="2090691699"/>
-      </p:ext>
-    </p:extLst>
-  </p:cSld>
-  <p:clrMapOvr>
-    <a:masterClrMapping/>
-  </p:clrMapOvr>
-</p:sld>
-</file>
-
-<file path=ppt/slides/slide8.xml><?xml version="1.0" encoding="utf-8"?>
-<p:sld xmlns:a="http://schemas.openxmlformats.org/drawingml/2006/main" xmlns:r="http://schemas.openxmlformats.org/officeDocument/2006/relationships" xmlns:p="http://schemas.openxmlformats.org/presentationml/2006/main">
-  <p:cSld>
-    <p:spTree>
-      <p:nvGrpSpPr>
-        <p:cNvPr id="1" name=""/>
-        <p:cNvGrpSpPr/>
-        <p:nvPr/>
-      </p:nvGrpSpPr>
-      <p:grpSpPr>
-        <a:xfrm>
-          <a:off x="0" y="0"/>
-          <a:ext cx="0" cy="0"/>
-          <a:chOff x="0" y="0"/>
-          <a:chExt cx="0" cy="0"/>
-        </a:xfrm>
-      </p:grpSpPr>
-      <p:sp>
-        <p:nvSpPr>
-          <p:cNvPr id="2" name="Titel 1"/>
-          <p:cNvSpPr>
-            <a:spLocks noGrp="1"/>
-          </p:cNvSpPr>
-          <p:nvPr>
-            <p:ph type="title"/>
-          </p:nvPr>
-        </p:nvSpPr>
-        <p:spPr/>
-        <p:txBody>
-          <a:bodyPr/>
-          <a:lstStyle/>
-          <a:p>
-            <a:r>
-              <a:rPr lang="de-DE" dirty="0" smtClean="0"/>
-              <a:t>Daten nochmal säubern</a:t>
-            </a:r>
-            <a:endParaRPr lang="de-DE" dirty="0"/>
-          </a:p>
-        </p:txBody>
-      </p:sp>
-      <p:sp>
-        <p:nvSpPr>
-          <p:cNvPr id="3" name="Inhaltsplatzhalter 2"/>
-          <p:cNvSpPr>
-            <a:spLocks noGrp="1"/>
-          </p:cNvSpPr>
-          <p:nvPr>
-            <p:ph idx="1"/>
-          </p:nvPr>
-        </p:nvSpPr>
-        <p:spPr/>
-        <p:txBody>
-          <a:bodyPr/>
-          <a:lstStyle/>
-          <a:p>
-            <a:r>
-              <a:rPr lang="de-DE" dirty="0" smtClean="0"/>
-              <a:t>Was macht der Algorithmus?</a:t>
-            </a:r>
-          </a:p>
-          <a:p>
-            <a:pPr lvl="1"/>
-            <a:r>
-              <a:rPr lang="de-DE" dirty="0" smtClean="0"/>
-              <a:t>Schätzung der aperiodischen Komponente anhand des Power-Spektrums</a:t>
-            </a:r>
-          </a:p>
-          <a:p>
-            <a:pPr lvl="1"/>
-            <a:r>
-              <a:rPr lang="de-DE" dirty="0" smtClean="0"/>
-              <a:t>Diese Schätzung vom Power-Spektrum abziehen</a:t>
-            </a:r>
-          </a:p>
-          <a:p>
-            <a:pPr lvl="1"/>
-            <a:r>
-              <a:rPr lang="de-DE" dirty="0" smtClean="0"/>
-              <a:t>Peaks heraussuchen </a:t>
-            </a:r>
-          </a:p>
-          <a:p>
-            <a:pPr lvl="1"/>
-            <a:r>
-              <a:rPr lang="de-DE" dirty="0" smtClean="0"/>
-              <a:t>Peak-fit vom Original-Spektrum abziehen, um die aperiodische Komponente besser zu schätzen</a:t>
-            </a:r>
-          </a:p>
-          <a:p>
-            <a:pPr lvl="1"/>
-            <a:r>
-              <a:rPr lang="de-DE" dirty="0" smtClean="0"/>
-              <a:t>Rekonstruktion eines finalen </a:t>
-            </a:r>
-            <a:r>
-              <a:rPr lang="de-DE" dirty="0" err="1" smtClean="0"/>
-              <a:t>Fits</a:t>
-            </a:r>
-            <a:r>
-              <a:rPr lang="de-DE" dirty="0" smtClean="0"/>
-              <a:t> um Güte zu berechnen </a:t>
-            </a:r>
-          </a:p>
-          <a:p>
-            <a:r>
-              <a:rPr lang="de-DE" dirty="0" smtClean="0"/>
-              <a:t>Algorithmus nicht perfekt</a:t>
-            </a:r>
-          </a:p>
-          <a:p>
-            <a:pPr lvl="1"/>
-            <a:r>
-              <a:rPr lang="de-DE" dirty="0" smtClean="0"/>
-              <a:t>Schlechte Übereinstimmungen zwischen Schätzung und originalen Daten werden rausgeworfen (großer Abstand oder extrem negative Werte)</a:t>
-            </a:r>
-          </a:p>
-          <a:p>
-            <a:pPr lvl="1"/>
-            <a:r>
-              <a:rPr lang="de-DE" dirty="0" smtClean="0"/>
-              <a:t>1645  Kanäle fliegen </a:t>
-            </a:r>
-            <a:r>
-              <a:rPr lang="de-DE" smtClean="0"/>
-              <a:t>hier raus</a:t>
-            </a:r>
-            <a:endParaRPr lang="de-DE" dirty="0" smtClean="0"/>
-          </a:p>
-          <a:p>
-            <a:pPr marL="0" indent="0">
-              <a:buNone/>
-            </a:pPr>
-            <a:endParaRPr lang="de-DE" dirty="0" smtClean="0"/>
-          </a:p>
-        </p:txBody>
-      </p:sp>
-    </p:spTree>
-    <p:extLst>
-      <p:ext uri="{BB962C8B-B14F-4D97-AF65-F5344CB8AC3E}">
-        <p14:creationId xmlns:p14="http://schemas.microsoft.com/office/powerpoint/2010/main" val="2763524989"/>
-      </p:ext>
-    </p:extLst>
-  </p:cSld>
-  <p:clrMapOvr>
-    <a:masterClrMapping/>
-  </p:clrMapOvr>
-</p:sld>
-</file>
-
 <file path=ppt/slides/slide9.xml><?xml version="1.0" encoding="utf-8"?>
 <p:sld xmlns:a="http://schemas.openxmlformats.org/drawingml/2006/main" xmlns:r="http://schemas.openxmlformats.org/officeDocument/2006/relationships" xmlns:p="http://schemas.openxmlformats.org/presentationml/2006/main">
   <p:cSld>
@@ -5534,93 +7415,314 @@
         </p:nvSpPr>
         <p:spPr/>
         <p:txBody>
-          <a:bodyPr>
-            <a:normAutofit/>
+          <a:bodyPr/>
+          <a:lstStyle/>
+          <a:p>
+            <a:r>
+              <a:rPr lang="de-DE" dirty="0" smtClean="0"/>
+              <a:t>Einlesen der Daten</a:t>
+            </a:r>
+            <a:endParaRPr lang="de-DE" dirty="0"/>
+          </a:p>
+        </p:txBody>
+      </p:sp>
+      <p:sp>
+        <p:nvSpPr>
+          <p:cNvPr id="3" name="Inhaltsplatzhalter 2"/>
+          <p:cNvSpPr>
+            <a:spLocks noGrp="1"/>
+          </p:cNvSpPr>
+          <p:nvPr>
+            <p:ph idx="1"/>
+          </p:nvPr>
+        </p:nvSpPr>
+        <p:spPr/>
+        <p:txBody>
+          <a:bodyPr/>
+          <a:lstStyle/>
+          <a:p>
+            <a:pPr marL="0" indent="0">
+              <a:buNone/>
+            </a:pPr>
+            <a:r>
+              <a:rPr lang="de-DE" dirty="0" smtClean="0">
+                <a:solidFill>
+                  <a:schemeClr val="tx1"/>
+                </a:solidFill>
+              </a:rPr>
+              <a:t>Daten von 30 Patient*innen</a:t>
+            </a:r>
+          </a:p>
+          <a:p>
+            <a:pPr marL="0" indent="0">
+              <a:buNone/>
+            </a:pPr>
+            <a:r>
+              <a:rPr lang="de-DE" dirty="0" smtClean="0">
+                <a:solidFill>
+                  <a:schemeClr val="tx1"/>
+                </a:solidFill>
+              </a:rPr>
+              <a:t>Aus </a:t>
+            </a:r>
+            <a:r>
+              <a:rPr lang="de-DE" dirty="0" smtClean="0">
+                <a:solidFill>
+                  <a:schemeClr val="tx1"/>
+                </a:solidFill>
+              </a:rPr>
+              <a:t>dem Dateinamen: </a:t>
+            </a:r>
+          </a:p>
+          <a:p>
+            <a:pPr marL="0" indent="0">
+              <a:buNone/>
+            </a:pPr>
+            <a:r>
+              <a:rPr lang="de-DE" dirty="0" smtClean="0">
+                <a:solidFill>
+                  <a:schemeClr val="tx1"/>
+                </a:solidFill>
+              </a:rPr>
+              <a:t>Tiefe der Elektrode (Entfernung </a:t>
+            </a:r>
+            <a:r>
+              <a:rPr lang="de-DE" dirty="0" smtClean="0">
+                <a:solidFill>
+                  <a:schemeClr val="tx1"/>
+                </a:solidFill>
+              </a:rPr>
+              <a:t>zum </a:t>
+            </a:r>
+            <a:r>
+              <a:rPr lang="de-DE" dirty="0" smtClean="0">
+                <a:solidFill>
+                  <a:schemeClr val="tx1"/>
+                </a:solidFill>
+              </a:rPr>
+              <a:t>Zielpunkt im STN in mm)</a:t>
+            </a:r>
+          </a:p>
+          <a:p>
+            <a:pPr marL="0" indent="0">
+              <a:buNone/>
+            </a:pPr>
+            <a:r>
+              <a:rPr lang="de-DE" dirty="0" smtClean="0">
+                <a:solidFill>
+                  <a:schemeClr val="tx1"/>
+                </a:solidFill>
+              </a:rPr>
+              <a:t>Seite (Links oder Rechts)</a:t>
+            </a:r>
+          </a:p>
+          <a:p>
+            <a:pPr marL="0" indent="0">
+              <a:buNone/>
+            </a:pPr>
+            <a:r>
+              <a:rPr lang="de-DE" dirty="0">
+                <a:solidFill>
+                  <a:schemeClr val="tx1"/>
+                </a:solidFill>
+              </a:rPr>
+              <a:t>Trajekt (zentral, </a:t>
+            </a:r>
+            <a:r>
+              <a:rPr lang="de-DE" dirty="0" err="1">
+                <a:solidFill>
+                  <a:schemeClr val="tx1"/>
+                </a:solidFill>
+              </a:rPr>
+              <a:t>anterior</a:t>
+            </a:r>
+            <a:r>
+              <a:rPr lang="de-DE" dirty="0">
+                <a:solidFill>
+                  <a:schemeClr val="tx1"/>
+                </a:solidFill>
+              </a:rPr>
+              <a:t>, </a:t>
+            </a:r>
+            <a:r>
+              <a:rPr lang="de-DE" dirty="0" err="1">
+                <a:solidFill>
+                  <a:schemeClr val="tx1"/>
+                </a:solidFill>
+              </a:rPr>
+              <a:t>posterior</a:t>
+            </a:r>
+            <a:r>
+              <a:rPr lang="de-DE" dirty="0">
+                <a:solidFill>
+                  <a:schemeClr val="tx1"/>
+                </a:solidFill>
+              </a:rPr>
+              <a:t>, medial oder </a:t>
+            </a:r>
+            <a:r>
+              <a:rPr lang="de-DE" dirty="0" smtClean="0">
+                <a:solidFill>
+                  <a:schemeClr val="tx1"/>
+                </a:solidFill>
+              </a:rPr>
+              <a:t>lateral)</a:t>
+            </a:r>
+          </a:p>
+          <a:p>
+            <a:pPr marL="0" indent="0">
+              <a:buNone/>
+            </a:pPr>
+            <a:endParaRPr lang="de-DE" dirty="0"/>
+          </a:p>
+          <a:p>
+            <a:pPr marL="0" indent="0">
+              <a:buNone/>
+            </a:pPr>
+            <a:endParaRPr lang="de-DE" dirty="0" smtClean="0"/>
+          </a:p>
+          <a:p>
+            <a:pPr marL="0" indent="0">
+              <a:buNone/>
+            </a:pPr>
+            <a:endParaRPr lang="de-DE" dirty="0"/>
+          </a:p>
+          <a:p>
+            <a:pPr marL="0" indent="0">
+              <a:buNone/>
+            </a:pPr>
+            <a:endParaRPr lang="de-DE" dirty="0" smtClean="0"/>
+          </a:p>
+          <a:p>
+            <a:pPr marL="0" indent="0">
+              <a:buNone/>
+            </a:pPr>
+            <a:endParaRPr lang="de-DE" dirty="0" smtClean="0"/>
+          </a:p>
+          <a:p>
+            <a:pPr marL="0" indent="0">
+              <a:buNone/>
+            </a:pPr>
+            <a:endParaRPr lang="de-DE" dirty="0"/>
+          </a:p>
+          <a:p>
+            <a:pPr marL="457200" indent="-457200">
+              <a:buAutoNum type="arabicPeriod"/>
+            </a:pPr>
+            <a:endParaRPr lang="de-DE" dirty="0" smtClean="0"/>
+          </a:p>
+          <a:p>
+            <a:pPr marL="457200" indent="-457200">
+              <a:buAutoNum type="arabicPeriod"/>
+            </a:pPr>
+            <a:endParaRPr lang="de-DE" dirty="0"/>
+          </a:p>
+        </p:txBody>
+      </p:sp>
+      <p:pic>
+        <p:nvPicPr>
+          <p:cNvPr id="4" name="Grafik 3"/>
+          <p:cNvPicPr>
+            <a:picLocks noChangeAspect="1"/>
+          </p:cNvPicPr>
+          <p:nvPr/>
+        </p:nvPicPr>
+        <p:blipFill>
+          <a:blip r:embed="rId2"/>
+          <a:stretch>
+            <a:fillRect/>
+          </a:stretch>
+        </p:blipFill>
+        <p:spPr>
+          <a:xfrm>
+            <a:off x="6152905" y="2651174"/>
+            <a:ext cx="2747923" cy="2687243"/>
+          </a:xfrm>
+          <a:prstGeom prst="rect">
+            <a:avLst/>
+          </a:prstGeom>
+        </p:spPr>
+      </p:pic>
+      <p:sp>
+        <p:nvSpPr>
+          <p:cNvPr id="5" name="Textfeld 4"/>
+          <p:cNvSpPr txBox="1"/>
+          <p:nvPr/>
+        </p:nvSpPr>
+        <p:spPr>
+          <a:xfrm>
+            <a:off x="3869268" y="5615416"/>
+            <a:ext cx="7574253" cy="369332"/>
+          </a:xfrm>
+          <a:prstGeom prst="rect">
+            <a:avLst/>
+          </a:prstGeom>
+          <a:noFill/>
+        </p:spPr>
+        <p:txBody>
+          <a:bodyPr wrap="none" rtlCol="0">
+            <a:spAutoFit/>
           </a:bodyPr>
           <a:lstStyle/>
           <a:p>
             <a:r>
-              <a:rPr lang="de-DE" sz="3200" dirty="0" smtClean="0"/>
-              <a:t>Extrahieren der Frequenzbänder</a:t>
-            </a:r>
-            <a:endParaRPr lang="de-DE" sz="3200" dirty="0"/>
-          </a:p>
-        </p:txBody>
-      </p:sp>
-      <p:sp>
-        <p:nvSpPr>
-          <p:cNvPr id="3" name="Inhaltsplatzhalter 2"/>
-          <p:cNvSpPr>
-            <a:spLocks noGrp="1"/>
-          </p:cNvSpPr>
-          <p:nvPr>
-            <p:ph idx="1"/>
-          </p:nvPr>
-        </p:nvSpPr>
-        <p:spPr/>
-        <p:txBody>
-          <a:bodyPr/>
-          <a:lstStyle/>
-          <a:p>
-            <a:r>
-              <a:rPr lang="de-DE" dirty="0" smtClean="0"/>
-              <a:t>Aperiodische Komponente vom Power-Spektrum abziehen </a:t>
-            </a:r>
-          </a:p>
-          <a:p>
-            <a:r>
-              <a:rPr lang="de-DE" dirty="0" smtClean="0"/>
-              <a:t>Mittelwert der Power zwischen </a:t>
-            </a:r>
-          </a:p>
-          <a:p>
-            <a:pPr lvl="1"/>
-            <a:r>
-              <a:rPr lang="de-DE" dirty="0" smtClean="0"/>
-              <a:t>5 bis 7 Hz für Theta</a:t>
-            </a:r>
-          </a:p>
-          <a:p>
-            <a:pPr lvl="1"/>
-            <a:r>
-              <a:rPr lang="de-DE" dirty="0" smtClean="0"/>
-              <a:t>7 bis 12 Hz für Alpha</a:t>
-            </a:r>
-          </a:p>
-          <a:p>
-            <a:pPr lvl="1"/>
-            <a:r>
-              <a:rPr lang="de-DE" dirty="0" smtClean="0"/>
-              <a:t>12 bis 30 Hz für Beta </a:t>
-            </a:r>
-          </a:p>
-          <a:p>
-            <a:r>
-              <a:rPr lang="de-DE" dirty="0" smtClean="0"/>
-              <a:t>Alle Kanäle, bei denen eine negative Power herausgekommen ist, ebenfalls rauswerfen</a:t>
-            </a:r>
-          </a:p>
-          <a:p>
-            <a:pPr lvl="1"/>
-            <a:r>
-              <a:rPr lang="de-DE" dirty="0" smtClean="0"/>
-              <a:t>Nochmal 334 Kanäle weg</a:t>
-            </a:r>
-          </a:p>
-          <a:p>
-            <a:pPr lvl="1"/>
-            <a:r>
-              <a:rPr lang="de-DE" dirty="0" smtClean="0"/>
-              <a:t>Insgesamt 1561 Kanäle übrig geblieben von ursprünglich 3971</a:t>
+              <a:rPr lang="de-DE" dirty="0" smtClean="0"/>
+              <a:t>Erster Schritt: Runtersampling auf 512 </a:t>
+            </a:r>
+            <a:r>
+              <a:rPr lang="de-DE" dirty="0" smtClean="0"/>
+              <a:t>Hz (Daten meist 5 bis 10 Sekunden lang)</a:t>
             </a:r>
             <a:endParaRPr lang="de-DE" dirty="0"/>
+          </a:p>
+        </p:txBody>
+      </p:sp>
+      <p:sp>
+        <p:nvSpPr>
+          <p:cNvPr id="6" name="Textfeld 5"/>
+          <p:cNvSpPr txBox="1"/>
+          <p:nvPr/>
+        </p:nvSpPr>
+        <p:spPr>
+          <a:xfrm>
+            <a:off x="5786519" y="5338417"/>
+            <a:ext cx="3480696" cy="276999"/>
+          </a:xfrm>
+          <a:prstGeom prst="rect">
+            <a:avLst/>
+          </a:prstGeom>
+          <a:noFill/>
+        </p:spPr>
+        <p:txBody>
+          <a:bodyPr wrap="none" rtlCol="0">
+            <a:spAutoFit/>
+          </a:bodyPr>
+          <a:lstStyle/>
+          <a:p>
+            <a:r>
+              <a:rPr lang="de-DE" sz="1200" i="1" dirty="0" smtClean="0"/>
+              <a:t>Abbildung </a:t>
+            </a:r>
+            <a:r>
+              <a:rPr lang="de-DE" sz="1200" i="1" dirty="0" smtClean="0"/>
+              <a:t>3</a:t>
+            </a:r>
+            <a:r>
+              <a:rPr lang="de-DE" sz="1200" dirty="0" smtClean="0"/>
+              <a:t>. </a:t>
+            </a:r>
+            <a:r>
+              <a:rPr lang="de-DE" sz="1200" dirty="0" smtClean="0"/>
+              <a:t>Darstellung der Positionen der Trajekte</a:t>
+            </a:r>
+            <a:endParaRPr lang="de-DE" sz="1200" dirty="0"/>
           </a:p>
         </p:txBody>
       </p:sp>
     </p:spTree>
     <p:extLst>
       <p:ext uri="{BB962C8B-B14F-4D97-AF65-F5344CB8AC3E}">
-        <p14:creationId xmlns:p14="http://schemas.microsoft.com/office/powerpoint/2010/main" val="96264443"/>
+        <p14:creationId xmlns:p14="http://schemas.microsoft.com/office/powerpoint/2010/main" val="3875037128"/>
       </p:ext>
     </p:extLst>
   </p:cSld>
